--- a/문서/김성민/화면설계(진행현황, 작업지시,출하증 제외).pptx
+++ b/문서/김성민/화면설계(진행현황, 작업지시,출하증 제외).pptx
@@ -5,7 +5,7 @@
     <p:sldMasterId id="2147483648" r:id="rId1"/>
   </p:sldMasterIdLst>
   <p:notesMasterIdLst>
-    <p:notesMasterId r:id="rId21"/>
+    <p:notesMasterId r:id="rId23"/>
   </p:notesMasterIdLst>
   <p:sldIdLst>
     <p:sldId id="256" r:id="rId2"/>
@@ -27,6 +27,8 @@
     <p:sldId id="272" r:id="rId18"/>
     <p:sldId id="273" r:id="rId19"/>
     <p:sldId id="274" r:id="rId20"/>
+    <p:sldId id="275" r:id="rId21"/>
+    <p:sldId id="277" r:id="rId22"/>
   </p:sldIdLst>
   <p:sldSz cx="12192000" cy="6858000"/>
   <p:notesSz cx="6858000" cy="9144000"/>
@@ -215,7 +217,7 @@
           <a:p>
             <a:fld id="{0466B879-3F87-4B8F-8472-82F90EFAC780}" type="datetimeFigureOut">
               <a:rPr lang="ko-KR" altLang="en-US" smtClean="0"/>
-              <a:t>2025-10-02</a:t>
+              <a:t>2025-10-10</a:t>
             </a:fld>
             <a:endParaRPr lang="ko-KR" altLang="en-US"/>
           </a:p>
@@ -482,6 +484,474 @@
 </p:notesMaster>
 </file>
 
+<file path=ppt/notesSlides/notesSlide1.xml><?xml version="1.0" encoding="utf-8"?>
+<p:notes xmlns:a="http://schemas.openxmlformats.org/drawingml/2006/main" xmlns:r="http://schemas.openxmlformats.org/officeDocument/2006/relationships" xmlns:p="http://schemas.openxmlformats.org/presentationml/2006/main">
+  <p:cSld>
+    <p:spTree>
+      <p:nvGrpSpPr>
+        <p:cNvPr id="1" name=""/>
+        <p:cNvGrpSpPr/>
+        <p:nvPr/>
+      </p:nvGrpSpPr>
+      <p:grpSpPr>
+        <a:xfrm>
+          <a:off x="0" y="0"/>
+          <a:ext cx="0" cy="0"/>
+          <a:chOff x="0" y="0"/>
+          <a:chExt cx="0" cy="0"/>
+        </a:xfrm>
+      </p:grpSpPr>
+      <p:sp>
+        <p:nvSpPr>
+          <p:cNvPr id="2" name="슬라이드 이미지 개체 틀 1"/>
+          <p:cNvSpPr>
+            <a:spLocks noGrp="1" noRot="1" noChangeAspect="1"/>
+          </p:cNvSpPr>
+          <p:nvPr>
+            <p:ph type="sldImg"/>
+          </p:nvPr>
+        </p:nvSpPr>
+        <p:spPr/>
+      </p:sp>
+      <p:sp>
+        <p:nvSpPr>
+          <p:cNvPr id="3" name="슬라이드 노트 개체 틀 2"/>
+          <p:cNvSpPr>
+            <a:spLocks noGrp="1"/>
+          </p:cNvSpPr>
+          <p:nvPr>
+            <p:ph type="body" idx="1"/>
+          </p:nvPr>
+        </p:nvSpPr>
+        <p:spPr/>
+        <p:txBody>
+          <a:bodyPr/>
+          <a:lstStyle/>
+          <a:p>
+            <a:endParaRPr lang="ko-KR" altLang="en-US" dirty="0"/>
+          </a:p>
+        </p:txBody>
+      </p:sp>
+      <p:sp>
+        <p:nvSpPr>
+          <p:cNvPr id="4" name="슬라이드 번호 개체 틀 3"/>
+          <p:cNvSpPr>
+            <a:spLocks noGrp="1"/>
+          </p:cNvSpPr>
+          <p:nvPr>
+            <p:ph type="sldNum" sz="quarter" idx="5"/>
+          </p:nvPr>
+        </p:nvSpPr>
+        <p:spPr/>
+        <p:txBody>
+          <a:bodyPr/>
+          <a:lstStyle/>
+          <a:p>
+            <a:fld id="{6E27E09C-6936-4C37-94DF-9BC81B3B2871}" type="slidenum">
+              <a:rPr lang="ko-KR" altLang="en-US" smtClean="0"/>
+              <a:t>10</a:t>
+            </a:fld>
+            <a:endParaRPr lang="ko-KR" altLang="en-US"/>
+          </a:p>
+        </p:txBody>
+      </p:sp>
+    </p:spTree>
+    <p:extLst>
+      <p:ext uri="{BB962C8B-B14F-4D97-AF65-F5344CB8AC3E}">
+        <p14:creationId xmlns:p14="http://schemas.microsoft.com/office/powerpoint/2010/main" val="3051363366"/>
+      </p:ext>
+    </p:extLst>
+  </p:cSld>
+  <p:clrMapOvr>
+    <a:masterClrMapping/>
+  </p:clrMapOvr>
+</p:notes>
+</file>
+
+<file path=ppt/notesSlides/notesSlide2.xml><?xml version="1.0" encoding="utf-8"?>
+<p:notes xmlns:a="http://schemas.openxmlformats.org/drawingml/2006/main" xmlns:r="http://schemas.openxmlformats.org/officeDocument/2006/relationships" xmlns:p="http://schemas.openxmlformats.org/presentationml/2006/main">
+  <p:cSld>
+    <p:spTree>
+      <p:nvGrpSpPr>
+        <p:cNvPr id="1" name=""/>
+        <p:cNvGrpSpPr/>
+        <p:nvPr/>
+      </p:nvGrpSpPr>
+      <p:grpSpPr>
+        <a:xfrm>
+          <a:off x="0" y="0"/>
+          <a:ext cx="0" cy="0"/>
+          <a:chOff x="0" y="0"/>
+          <a:chExt cx="0" cy="0"/>
+        </a:xfrm>
+      </p:grpSpPr>
+      <p:sp>
+        <p:nvSpPr>
+          <p:cNvPr id="2" name="슬라이드 이미지 개체 틀 1"/>
+          <p:cNvSpPr>
+            <a:spLocks noGrp="1" noRot="1" noChangeAspect="1"/>
+          </p:cNvSpPr>
+          <p:nvPr>
+            <p:ph type="sldImg"/>
+          </p:nvPr>
+        </p:nvSpPr>
+        <p:spPr/>
+      </p:sp>
+      <p:sp>
+        <p:nvSpPr>
+          <p:cNvPr id="3" name="슬라이드 노트 개체 틀 2"/>
+          <p:cNvSpPr>
+            <a:spLocks noGrp="1"/>
+          </p:cNvSpPr>
+          <p:nvPr>
+            <p:ph type="body" idx="1"/>
+          </p:nvPr>
+        </p:nvSpPr>
+        <p:spPr/>
+        <p:txBody>
+          <a:bodyPr/>
+          <a:lstStyle/>
+          <a:p>
+            <a:endParaRPr lang="ko-KR" altLang="en-US" dirty="0"/>
+          </a:p>
+        </p:txBody>
+      </p:sp>
+      <p:sp>
+        <p:nvSpPr>
+          <p:cNvPr id="4" name="슬라이드 번호 개체 틀 3"/>
+          <p:cNvSpPr>
+            <a:spLocks noGrp="1"/>
+          </p:cNvSpPr>
+          <p:nvPr>
+            <p:ph type="sldNum" sz="quarter" idx="5"/>
+          </p:nvPr>
+        </p:nvSpPr>
+        <p:spPr/>
+        <p:txBody>
+          <a:bodyPr/>
+          <a:lstStyle/>
+          <a:p>
+            <a:fld id="{6E27E09C-6936-4C37-94DF-9BC81B3B2871}" type="slidenum">
+              <a:rPr lang="ko-KR" altLang="en-US" smtClean="0"/>
+              <a:t>12</a:t>
+            </a:fld>
+            <a:endParaRPr lang="ko-KR" altLang="en-US"/>
+          </a:p>
+        </p:txBody>
+      </p:sp>
+    </p:spTree>
+    <p:extLst>
+      <p:ext uri="{BB962C8B-B14F-4D97-AF65-F5344CB8AC3E}">
+        <p14:creationId xmlns:p14="http://schemas.microsoft.com/office/powerpoint/2010/main" val="2346181078"/>
+      </p:ext>
+    </p:extLst>
+  </p:cSld>
+  <p:clrMapOvr>
+    <a:masterClrMapping/>
+  </p:clrMapOvr>
+</p:notes>
+</file>
+
+<file path=ppt/notesSlides/notesSlide3.xml><?xml version="1.0" encoding="utf-8"?>
+<p:notes xmlns:a="http://schemas.openxmlformats.org/drawingml/2006/main" xmlns:r="http://schemas.openxmlformats.org/officeDocument/2006/relationships" xmlns:p="http://schemas.openxmlformats.org/presentationml/2006/main">
+  <p:cSld>
+    <p:spTree>
+      <p:nvGrpSpPr>
+        <p:cNvPr id="1" name=""/>
+        <p:cNvGrpSpPr/>
+        <p:nvPr/>
+      </p:nvGrpSpPr>
+      <p:grpSpPr>
+        <a:xfrm>
+          <a:off x="0" y="0"/>
+          <a:ext cx="0" cy="0"/>
+          <a:chOff x="0" y="0"/>
+          <a:chExt cx="0" cy="0"/>
+        </a:xfrm>
+      </p:grpSpPr>
+      <p:sp>
+        <p:nvSpPr>
+          <p:cNvPr id="2" name="슬라이드 이미지 개체 틀 1"/>
+          <p:cNvSpPr>
+            <a:spLocks noGrp="1" noRot="1" noChangeAspect="1"/>
+          </p:cNvSpPr>
+          <p:nvPr>
+            <p:ph type="sldImg"/>
+          </p:nvPr>
+        </p:nvSpPr>
+        <p:spPr/>
+      </p:sp>
+      <p:sp>
+        <p:nvSpPr>
+          <p:cNvPr id="3" name="슬라이드 노트 개체 틀 2"/>
+          <p:cNvSpPr>
+            <a:spLocks noGrp="1"/>
+          </p:cNvSpPr>
+          <p:nvPr>
+            <p:ph type="body" idx="1"/>
+          </p:nvPr>
+        </p:nvSpPr>
+        <p:spPr/>
+        <p:txBody>
+          <a:bodyPr/>
+          <a:lstStyle/>
+          <a:p>
+            <a:endParaRPr lang="ko-KR" altLang="en-US" dirty="0"/>
+          </a:p>
+        </p:txBody>
+      </p:sp>
+      <p:sp>
+        <p:nvSpPr>
+          <p:cNvPr id="4" name="슬라이드 번호 개체 틀 3"/>
+          <p:cNvSpPr>
+            <a:spLocks noGrp="1"/>
+          </p:cNvSpPr>
+          <p:nvPr>
+            <p:ph type="sldNum" sz="quarter" idx="5"/>
+          </p:nvPr>
+        </p:nvSpPr>
+        <p:spPr/>
+        <p:txBody>
+          <a:bodyPr/>
+          <a:lstStyle/>
+          <a:p>
+            <a:fld id="{6E27E09C-6936-4C37-94DF-9BC81B3B2871}" type="slidenum">
+              <a:rPr lang="ko-KR" altLang="en-US" smtClean="0"/>
+              <a:t>19</a:t>
+            </a:fld>
+            <a:endParaRPr lang="ko-KR" altLang="en-US"/>
+          </a:p>
+        </p:txBody>
+      </p:sp>
+    </p:spTree>
+    <p:extLst>
+      <p:ext uri="{BB962C8B-B14F-4D97-AF65-F5344CB8AC3E}">
+        <p14:creationId xmlns:p14="http://schemas.microsoft.com/office/powerpoint/2010/main" val="3612816382"/>
+      </p:ext>
+    </p:extLst>
+  </p:cSld>
+  <p:clrMapOvr>
+    <a:masterClrMapping/>
+  </p:clrMapOvr>
+</p:notes>
+</file>
+
+<file path=ppt/notesSlides/notesSlide4.xml><?xml version="1.0" encoding="utf-8"?>
+<p:notes xmlns:a="http://schemas.openxmlformats.org/drawingml/2006/main" xmlns:r="http://schemas.openxmlformats.org/officeDocument/2006/relationships" xmlns:p="http://schemas.openxmlformats.org/presentationml/2006/main">
+  <p:cSld>
+    <p:spTree>
+      <p:nvGrpSpPr>
+        <p:cNvPr id="1" name="">
+          <a:extLst>
+            <a:ext uri="{FF2B5EF4-FFF2-40B4-BE49-F238E27FC236}">
+              <a16:creationId xmlns:a16="http://schemas.microsoft.com/office/drawing/2014/main" id="{6A01B3E0-B966-3CC8-82E9-72B19BB59D64}"/>
+            </a:ext>
+          </a:extLst>
+        </p:cNvPr>
+        <p:cNvGrpSpPr/>
+        <p:nvPr/>
+      </p:nvGrpSpPr>
+      <p:grpSpPr>
+        <a:xfrm>
+          <a:off x="0" y="0"/>
+          <a:ext cx="0" cy="0"/>
+          <a:chOff x="0" y="0"/>
+          <a:chExt cx="0" cy="0"/>
+        </a:xfrm>
+      </p:grpSpPr>
+      <p:sp>
+        <p:nvSpPr>
+          <p:cNvPr id="2" name="슬라이드 이미지 개체 틀 1">
+            <a:extLst>
+              <a:ext uri="{FF2B5EF4-FFF2-40B4-BE49-F238E27FC236}">
+                <a16:creationId xmlns:a16="http://schemas.microsoft.com/office/drawing/2014/main" id="{C7A32E28-CA3C-EDC9-C713-DAFC19958DC1}"/>
+              </a:ext>
+            </a:extLst>
+          </p:cNvPr>
+          <p:cNvSpPr>
+            <a:spLocks noGrp="1" noRot="1" noChangeAspect="1"/>
+          </p:cNvSpPr>
+          <p:nvPr>
+            <p:ph type="sldImg"/>
+          </p:nvPr>
+        </p:nvSpPr>
+        <p:spPr/>
+      </p:sp>
+      <p:sp>
+        <p:nvSpPr>
+          <p:cNvPr id="3" name="슬라이드 노트 개체 틀 2">
+            <a:extLst>
+              <a:ext uri="{FF2B5EF4-FFF2-40B4-BE49-F238E27FC236}">
+                <a16:creationId xmlns:a16="http://schemas.microsoft.com/office/drawing/2014/main" id="{74EBF41D-BAEB-C87E-B032-3AE4BFBC7D11}"/>
+              </a:ext>
+            </a:extLst>
+          </p:cNvPr>
+          <p:cNvSpPr>
+            <a:spLocks noGrp="1"/>
+          </p:cNvSpPr>
+          <p:nvPr>
+            <p:ph type="body" idx="1"/>
+          </p:nvPr>
+        </p:nvSpPr>
+        <p:spPr/>
+        <p:txBody>
+          <a:bodyPr/>
+          <a:lstStyle/>
+          <a:p>
+            <a:endParaRPr lang="ko-KR" altLang="en-US" dirty="0"/>
+          </a:p>
+        </p:txBody>
+      </p:sp>
+      <p:sp>
+        <p:nvSpPr>
+          <p:cNvPr id="4" name="슬라이드 번호 개체 틀 3">
+            <a:extLst>
+              <a:ext uri="{FF2B5EF4-FFF2-40B4-BE49-F238E27FC236}">
+                <a16:creationId xmlns:a16="http://schemas.microsoft.com/office/drawing/2014/main" id="{2BDF9411-4E61-4C28-0346-699E0C175B02}"/>
+              </a:ext>
+            </a:extLst>
+          </p:cNvPr>
+          <p:cNvSpPr>
+            <a:spLocks noGrp="1"/>
+          </p:cNvSpPr>
+          <p:nvPr>
+            <p:ph type="sldNum" sz="quarter" idx="5"/>
+          </p:nvPr>
+        </p:nvSpPr>
+        <p:spPr/>
+        <p:txBody>
+          <a:bodyPr/>
+          <a:lstStyle/>
+          <a:p>
+            <a:fld id="{6E27E09C-6936-4C37-94DF-9BC81B3B2871}" type="slidenum">
+              <a:rPr lang="ko-KR" altLang="en-US" smtClean="0"/>
+              <a:t>20</a:t>
+            </a:fld>
+            <a:endParaRPr lang="ko-KR" altLang="en-US"/>
+          </a:p>
+        </p:txBody>
+      </p:sp>
+    </p:spTree>
+    <p:extLst>
+      <p:ext uri="{BB962C8B-B14F-4D97-AF65-F5344CB8AC3E}">
+        <p14:creationId xmlns:p14="http://schemas.microsoft.com/office/powerpoint/2010/main" val="600909356"/>
+      </p:ext>
+    </p:extLst>
+  </p:cSld>
+  <p:clrMapOvr>
+    <a:masterClrMapping/>
+  </p:clrMapOvr>
+</p:notes>
+</file>
+
+<file path=ppt/notesSlides/notesSlide5.xml><?xml version="1.0" encoding="utf-8"?>
+<p:notes xmlns:a="http://schemas.openxmlformats.org/drawingml/2006/main" xmlns:r="http://schemas.openxmlformats.org/officeDocument/2006/relationships" xmlns:p="http://schemas.openxmlformats.org/presentationml/2006/main">
+  <p:cSld>
+    <p:spTree>
+      <p:nvGrpSpPr>
+        <p:cNvPr id="1" name="">
+          <a:extLst>
+            <a:ext uri="{FF2B5EF4-FFF2-40B4-BE49-F238E27FC236}">
+              <a16:creationId xmlns:a16="http://schemas.microsoft.com/office/drawing/2014/main" id="{970A22A2-0951-69CA-9F2C-3AA783ADB8E4}"/>
+            </a:ext>
+          </a:extLst>
+        </p:cNvPr>
+        <p:cNvGrpSpPr/>
+        <p:nvPr/>
+      </p:nvGrpSpPr>
+      <p:grpSpPr>
+        <a:xfrm>
+          <a:off x="0" y="0"/>
+          <a:ext cx="0" cy="0"/>
+          <a:chOff x="0" y="0"/>
+          <a:chExt cx="0" cy="0"/>
+        </a:xfrm>
+      </p:grpSpPr>
+      <p:sp>
+        <p:nvSpPr>
+          <p:cNvPr id="2" name="슬라이드 이미지 개체 틀 1">
+            <a:extLst>
+              <a:ext uri="{FF2B5EF4-FFF2-40B4-BE49-F238E27FC236}">
+                <a16:creationId xmlns:a16="http://schemas.microsoft.com/office/drawing/2014/main" id="{0155D6FA-A059-5A1A-B977-C800A59F5033}"/>
+              </a:ext>
+            </a:extLst>
+          </p:cNvPr>
+          <p:cNvSpPr>
+            <a:spLocks noGrp="1" noRot="1" noChangeAspect="1"/>
+          </p:cNvSpPr>
+          <p:nvPr>
+            <p:ph type="sldImg"/>
+          </p:nvPr>
+        </p:nvSpPr>
+        <p:spPr/>
+      </p:sp>
+      <p:sp>
+        <p:nvSpPr>
+          <p:cNvPr id="3" name="슬라이드 노트 개체 틀 2">
+            <a:extLst>
+              <a:ext uri="{FF2B5EF4-FFF2-40B4-BE49-F238E27FC236}">
+                <a16:creationId xmlns:a16="http://schemas.microsoft.com/office/drawing/2014/main" id="{95AB2429-7D62-C659-CDBE-B2FF1A7AAB85}"/>
+              </a:ext>
+            </a:extLst>
+          </p:cNvPr>
+          <p:cNvSpPr>
+            <a:spLocks noGrp="1"/>
+          </p:cNvSpPr>
+          <p:nvPr>
+            <p:ph type="body" idx="1"/>
+          </p:nvPr>
+        </p:nvSpPr>
+        <p:spPr/>
+        <p:txBody>
+          <a:bodyPr/>
+          <a:lstStyle/>
+          <a:p>
+            <a:endParaRPr lang="ko-KR" altLang="en-US" dirty="0"/>
+          </a:p>
+        </p:txBody>
+      </p:sp>
+      <p:sp>
+        <p:nvSpPr>
+          <p:cNvPr id="4" name="슬라이드 번호 개체 틀 3">
+            <a:extLst>
+              <a:ext uri="{FF2B5EF4-FFF2-40B4-BE49-F238E27FC236}">
+                <a16:creationId xmlns:a16="http://schemas.microsoft.com/office/drawing/2014/main" id="{D6FD0405-FBF0-B636-C9A3-13B32C6B5538}"/>
+              </a:ext>
+            </a:extLst>
+          </p:cNvPr>
+          <p:cNvSpPr>
+            <a:spLocks noGrp="1"/>
+          </p:cNvSpPr>
+          <p:nvPr>
+            <p:ph type="sldNum" sz="quarter" idx="5"/>
+          </p:nvPr>
+        </p:nvSpPr>
+        <p:spPr/>
+        <p:txBody>
+          <a:bodyPr/>
+          <a:lstStyle/>
+          <a:p>
+            <a:fld id="{6E27E09C-6936-4C37-94DF-9BC81B3B2871}" type="slidenum">
+              <a:rPr lang="ko-KR" altLang="en-US" smtClean="0"/>
+              <a:t>21</a:t>
+            </a:fld>
+            <a:endParaRPr lang="ko-KR" altLang="en-US"/>
+          </a:p>
+        </p:txBody>
+      </p:sp>
+    </p:spTree>
+    <p:extLst>
+      <p:ext uri="{BB962C8B-B14F-4D97-AF65-F5344CB8AC3E}">
+        <p14:creationId xmlns:p14="http://schemas.microsoft.com/office/powerpoint/2010/main" val="3241292480"/>
+      </p:ext>
+    </p:extLst>
+  </p:cSld>
+  <p:clrMapOvr>
+    <a:masterClrMapping/>
+  </p:clrMapOvr>
+</p:notes>
+</file>
+
 <file path=ppt/slideLayouts/slideLayout1.xml><?xml version="1.0" encoding="utf-8"?>
 <p:sldLayout xmlns:a="http://schemas.openxmlformats.org/drawingml/2006/main" xmlns:r="http://schemas.openxmlformats.org/officeDocument/2006/relationships" xmlns:p="http://schemas.openxmlformats.org/presentationml/2006/main" type="title" preserve="1">
   <p:cSld name="제목 슬라이드">
@@ -629,7 +1099,7 @@
           <a:p>
             <a:fld id="{20941554-6DCE-43EE-B361-E4A53D9B95D0}" type="datetimeFigureOut">
               <a:rPr lang="ko-KR" altLang="en-US" smtClean="0"/>
-              <a:t>2025-10-02</a:t>
+              <a:t>2025-10-10</a:t>
             </a:fld>
             <a:endParaRPr lang="ko-KR" altLang="en-US"/>
           </a:p>
@@ -827,7 +1297,7 @@
           <a:p>
             <a:fld id="{20941554-6DCE-43EE-B361-E4A53D9B95D0}" type="datetimeFigureOut">
               <a:rPr lang="ko-KR" altLang="en-US" smtClean="0"/>
-              <a:t>2025-10-02</a:t>
+              <a:t>2025-10-10</a:t>
             </a:fld>
             <a:endParaRPr lang="ko-KR" altLang="en-US"/>
           </a:p>
@@ -1035,7 +1505,7 @@
           <a:p>
             <a:fld id="{20941554-6DCE-43EE-B361-E4A53D9B95D0}" type="datetimeFigureOut">
               <a:rPr lang="ko-KR" altLang="en-US" smtClean="0"/>
-              <a:t>2025-10-02</a:t>
+              <a:t>2025-10-10</a:t>
             </a:fld>
             <a:endParaRPr lang="ko-KR" altLang="en-US"/>
           </a:p>
@@ -1233,7 +1703,7 @@
           <a:p>
             <a:fld id="{20941554-6DCE-43EE-B361-E4A53D9B95D0}" type="datetimeFigureOut">
               <a:rPr lang="ko-KR" altLang="en-US" smtClean="0"/>
-              <a:t>2025-10-02</a:t>
+              <a:t>2025-10-10</a:t>
             </a:fld>
             <a:endParaRPr lang="ko-KR" altLang="en-US"/>
           </a:p>
@@ -1508,7 +1978,7 @@
           <a:p>
             <a:fld id="{20941554-6DCE-43EE-B361-E4A53D9B95D0}" type="datetimeFigureOut">
               <a:rPr lang="ko-KR" altLang="en-US" smtClean="0"/>
-              <a:t>2025-10-02</a:t>
+              <a:t>2025-10-10</a:t>
             </a:fld>
             <a:endParaRPr lang="ko-KR" altLang="en-US"/>
           </a:p>
@@ -1773,7 +2243,7 @@
           <a:p>
             <a:fld id="{20941554-6DCE-43EE-B361-E4A53D9B95D0}" type="datetimeFigureOut">
               <a:rPr lang="ko-KR" altLang="en-US" smtClean="0"/>
-              <a:t>2025-10-02</a:t>
+              <a:t>2025-10-10</a:t>
             </a:fld>
             <a:endParaRPr lang="ko-KR" altLang="en-US"/>
           </a:p>
@@ -2185,7 +2655,7 @@
           <a:p>
             <a:fld id="{20941554-6DCE-43EE-B361-E4A53D9B95D0}" type="datetimeFigureOut">
               <a:rPr lang="ko-KR" altLang="en-US" smtClean="0"/>
-              <a:t>2025-10-02</a:t>
+              <a:t>2025-10-10</a:t>
             </a:fld>
             <a:endParaRPr lang="ko-KR" altLang="en-US"/>
           </a:p>
@@ -2326,7 +2796,7 @@
           <a:p>
             <a:fld id="{20941554-6DCE-43EE-B361-E4A53D9B95D0}" type="datetimeFigureOut">
               <a:rPr lang="ko-KR" altLang="en-US" smtClean="0"/>
-              <a:t>2025-10-02</a:t>
+              <a:t>2025-10-10</a:t>
             </a:fld>
             <a:endParaRPr lang="ko-KR" altLang="en-US"/>
           </a:p>
@@ -2439,7 +2909,7 @@
           <a:p>
             <a:fld id="{20941554-6DCE-43EE-B361-E4A53D9B95D0}" type="datetimeFigureOut">
               <a:rPr lang="ko-KR" altLang="en-US" smtClean="0"/>
-              <a:t>2025-10-02</a:t>
+              <a:t>2025-10-10</a:t>
             </a:fld>
             <a:endParaRPr lang="ko-KR" altLang="en-US"/>
           </a:p>
@@ -2750,7 +3220,7 @@
           <a:p>
             <a:fld id="{20941554-6DCE-43EE-B361-E4A53D9B95D0}" type="datetimeFigureOut">
               <a:rPr lang="ko-KR" altLang="en-US" smtClean="0"/>
-              <a:t>2025-10-02</a:t>
+              <a:t>2025-10-10</a:t>
             </a:fld>
             <a:endParaRPr lang="ko-KR" altLang="en-US"/>
           </a:p>
@@ -3038,7 +3508,7 @@
           <a:p>
             <a:fld id="{20941554-6DCE-43EE-B361-E4A53D9B95D0}" type="datetimeFigureOut">
               <a:rPr lang="ko-KR" altLang="en-US" smtClean="0"/>
-              <a:t>2025-10-02</a:t>
+              <a:t>2025-10-10</a:t>
             </a:fld>
             <a:endParaRPr lang="ko-KR" altLang="en-US"/>
           </a:p>
@@ -3279,7 +3749,7 @@
           <a:p>
             <a:fld id="{20941554-6DCE-43EE-B361-E4A53D9B95D0}" type="datetimeFigureOut">
               <a:rPr lang="ko-KR" altLang="en-US" smtClean="0"/>
-              <a:t>2025-10-02</a:t>
+              <a:t>2025-10-10</a:t>
             </a:fld>
             <a:endParaRPr lang="ko-KR" altLang="en-US"/>
           </a:p>
@@ -5002,7 +5472,7 @@
           <a:p>
             <a:pPr algn="ctr"/>
             <a:r>
-              <a:rPr lang="ko-KR" altLang="en-US"/>
+              <a:rPr lang="ko-KR" altLang="en-US" dirty="0" err="1"/>
               <a:t>이미지업로드</a:t>
             </a:r>
             <a:endParaRPr lang="ko-KR" altLang="en-US" dirty="0"/>
@@ -14417,10 +14887,9 @@
           <a:p>
             <a:pPr algn="ctr"/>
             <a:r>
-              <a:rPr lang="ko-KR" altLang="en-US"/>
+              <a:rPr lang="ko-KR" altLang="en-US" dirty="0"/>
               <a:t>엑셀 다운</a:t>
             </a:r>
-            <a:endParaRPr lang="ko-KR" altLang="en-US" dirty="0"/>
           </a:p>
         </p:txBody>
       </p:sp>
@@ -21574,6 +22043,3030 @@
 </p:sld>
 </file>
 
+<file path=ppt/slides/slide20.xml><?xml version="1.0" encoding="utf-8"?>
+<p:sld xmlns:a="http://schemas.openxmlformats.org/drawingml/2006/main" xmlns:r="http://schemas.openxmlformats.org/officeDocument/2006/relationships" xmlns:p="http://schemas.openxmlformats.org/presentationml/2006/main">
+  <p:cSld>
+    <p:spTree>
+      <p:nvGrpSpPr>
+        <p:cNvPr id="1" name="">
+          <a:extLst>
+            <a:ext uri="{FF2B5EF4-FFF2-40B4-BE49-F238E27FC236}">
+              <a16:creationId xmlns:a16="http://schemas.microsoft.com/office/drawing/2014/main" id="{EBADB9FB-A74B-047A-C183-1F32E42584E7}"/>
+            </a:ext>
+          </a:extLst>
+        </p:cNvPr>
+        <p:cNvGrpSpPr/>
+        <p:nvPr/>
+      </p:nvGrpSpPr>
+      <p:grpSpPr>
+        <a:xfrm>
+          <a:off x="0" y="0"/>
+          <a:ext cx="0" cy="0"/>
+          <a:chOff x="0" y="0"/>
+          <a:chExt cx="0" cy="0"/>
+        </a:xfrm>
+      </p:grpSpPr>
+      <p:sp>
+        <p:nvSpPr>
+          <p:cNvPr id="2" name="직사각형 1">
+            <a:extLst>
+              <a:ext uri="{FF2B5EF4-FFF2-40B4-BE49-F238E27FC236}">
+                <a16:creationId xmlns:a16="http://schemas.microsoft.com/office/drawing/2014/main" id="{27608BAD-8452-29D3-EECD-43970A34BC8A}"/>
+              </a:ext>
+            </a:extLst>
+          </p:cNvPr>
+          <p:cNvSpPr/>
+          <p:nvPr/>
+        </p:nvSpPr>
+        <p:spPr>
+          <a:xfrm>
+            <a:off x="788894" y="403412"/>
+            <a:ext cx="10538012" cy="6113929"/>
+          </a:xfrm>
+          <a:prstGeom prst="rect">
+            <a:avLst/>
+          </a:prstGeom>
+        </p:spPr>
+        <p:style>
+          <a:lnRef idx="2">
+            <a:schemeClr val="dk1"/>
+          </a:lnRef>
+          <a:fillRef idx="1">
+            <a:schemeClr val="lt1"/>
+          </a:fillRef>
+          <a:effectRef idx="0">
+            <a:schemeClr val="dk1"/>
+          </a:effectRef>
+          <a:fontRef idx="minor">
+            <a:schemeClr val="dk1"/>
+          </a:fontRef>
+        </p:style>
+        <p:txBody>
+          <a:bodyPr rtlCol="0" anchor="ctr"/>
+          <a:lstStyle/>
+          <a:p>
+            <a:pPr algn="ctr"/>
+            <a:endParaRPr lang="ko-KR" altLang="en-US"/>
+          </a:p>
+        </p:txBody>
+      </p:sp>
+      <p:sp>
+        <p:nvSpPr>
+          <p:cNvPr id="4" name="직사각형 3">
+            <a:extLst>
+              <a:ext uri="{FF2B5EF4-FFF2-40B4-BE49-F238E27FC236}">
+                <a16:creationId xmlns:a16="http://schemas.microsoft.com/office/drawing/2014/main" id="{CD33CCBE-4B49-3704-C28F-8588C2590D13}"/>
+              </a:ext>
+            </a:extLst>
+          </p:cNvPr>
+          <p:cNvSpPr/>
+          <p:nvPr/>
+        </p:nvSpPr>
+        <p:spPr>
+          <a:xfrm>
+            <a:off x="865094" y="507534"/>
+            <a:ext cx="1698771" cy="5888331"/>
+          </a:xfrm>
+          <a:prstGeom prst="rect">
+            <a:avLst/>
+          </a:prstGeom>
+        </p:spPr>
+        <p:style>
+          <a:lnRef idx="2">
+            <a:schemeClr val="accent5">
+              <a:shade val="15000"/>
+            </a:schemeClr>
+          </a:lnRef>
+          <a:fillRef idx="1">
+            <a:schemeClr val="accent5"/>
+          </a:fillRef>
+          <a:effectRef idx="0">
+            <a:schemeClr val="accent5"/>
+          </a:effectRef>
+          <a:fontRef idx="minor">
+            <a:schemeClr val="lt1"/>
+          </a:fontRef>
+        </p:style>
+        <p:txBody>
+          <a:bodyPr rtlCol="0" anchor="ctr"/>
+          <a:lstStyle/>
+          <a:p>
+            <a:pPr algn="ctr"/>
+            <a:r>
+              <a:rPr lang="ko-KR" altLang="en-US" dirty="0"/>
+              <a:t>메뉴 영역</a:t>
+            </a:r>
+          </a:p>
+        </p:txBody>
+      </p:sp>
+      <p:sp>
+        <p:nvSpPr>
+          <p:cNvPr id="5" name="직사각형 4">
+            <a:extLst>
+              <a:ext uri="{FF2B5EF4-FFF2-40B4-BE49-F238E27FC236}">
+                <a16:creationId xmlns:a16="http://schemas.microsoft.com/office/drawing/2014/main" id="{F77A2E54-2A39-C036-4189-F58A3822E8BB}"/>
+              </a:ext>
+            </a:extLst>
+          </p:cNvPr>
+          <p:cNvSpPr/>
+          <p:nvPr/>
+        </p:nvSpPr>
+        <p:spPr>
+          <a:xfrm>
+            <a:off x="2667699" y="507534"/>
+            <a:ext cx="8544187" cy="382439"/>
+          </a:xfrm>
+          <a:prstGeom prst="rect">
+            <a:avLst/>
+          </a:prstGeom>
+        </p:spPr>
+        <p:style>
+          <a:lnRef idx="2">
+            <a:schemeClr val="accent3">
+              <a:shade val="15000"/>
+            </a:schemeClr>
+          </a:lnRef>
+          <a:fillRef idx="1">
+            <a:schemeClr val="accent3"/>
+          </a:fillRef>
+          <a:effectRef idx="0">
+            <a:schemeClr val="accent3"/>
+          </a:effectRef>
+          <a:fontRef idx="minor">
+            <a:schemeClr val="lt1"/>
+          </a:fontRef>
+        </p:style>
+        <p:txBody>
+          <a:bodyPr rtlCol="0" anchor="ctr"/>
+          <a:lstStyle/>
+          <a:p>
+            <a:pPr algn="ctr"/>
+            <a:endParaRPr lang="ko-KR" altLang="en-US" dirty="0"/>
+          </a:p>
+        </p:txBody>
+      </p:sp>
+      <p:sp>
+        <p:nvSpPr>
+          <p:cNvPr id="6" name="직사각형 5">
+            <a:extLst>
+              <a:ext uri="{FF2B5EF4-FFF2-40B4-BE49-F238E27FC236}">
+                <a16:creationId xmlns:a16="http://schemas.microsoft.com/office/drawing/2014/main" id="{4F554529-2218-E6BB-CD28-1627E4073AD8}"/>
+              </a:ext>
+            </a:extLst>
+          </p:cNvPr>
+          <p:cNvSpPr/>
+          <p:nvPr/>
+        </p:nvSpPr>
+        <p:spPr>
+          <a:xfrm>
+            <a:off x="2667699" y="994096"/>
+            <a:ext cx="8544187" cy="5381538"/>
+          </a:xfrm>
+          <a:prstGeom prst="rect">
+            <a:avLst/>
+          </a:prstGeom>
+        </p:spPr>
+        <p:style>
+          <a:lnRef idx="2">
+            <a:schemeClr val="accent4">
+              <a:shade val="15000"/>
+            </a:schemeClr>
+          </a:lnRef>
+          <a:fillRef idx="1">
+            <a:schemeClr val="accent4"/>
+          </a:fillRef>
+          <a:effectRef idx="0">
+            <a:schemeClr val="accent4"/>
+          </a:effectRef>
+          <a:fontRef idx="minor">
+            <a:schemeClr val="lt1"/>
+          </a:fontRef>
+        </p:style>
+        <p:txBody>
+          <a:bodyPr rtlCol="0" anchor="ctr"/>
+          <a:lstStyle/>
+          <a:p>
+            <a:pPr algn="ctr"/>
+            <a:r>
+              <a:rPr lang="en-US" altLang="ko-KR"/>
+              <a:t>Content</a:t>
+            </a:r>
+            <a:r>
+              <a:rPr lang="ko-KR" altLang="en-US" dirty="0"/>
+              <a:t>영역</a:t>
+            </a:r>
+          </a:p>
+        </p:txBody>
+      </p:sp>
+      <p:sp>
+        <p:nvSpPr>
+          <p:cNvPr id="9" name="직사각형 8">
+            <a:extLst>
+              <a:ext uri="{FF2B5EF4-FFF2-40B4-BE49-F238E27FC236}">
+                <a16:creationId xmlns:a16="http://schemas.microsoft.com/office/drawing/2014/main" id="{09A023A4-AABC-CE8B-0E8A-11CFB16132D9}"/>
+              </a:ext>
+            </a:extLst>
+          </p:cNvPr>
+          <p:cNvSpPr/>
+          <p:nvPr/>
+        </p:nvSpPr>
+        <p:spPr>
+          <a:xfrm>
+            <a:off x="2801923" y="1140903"/>
+            <a:ext cx="8296712" cy="608202"/>
+          </a:xfrm>
+          <a:prstGeom prst="rect">
+            <a:avLst/>
+          </a:prstGeom>
+        </p:spPr>
+        <p:style>
+          <a:lnRef idx="2">
+            <a:schemeClr val="accent6">
+              <a:shade val="15000"/>
+            </a:schemeClr>
+          </a:lnRef>
+          <a:fillRef idx="1">
+            <a:schemeClr val="accent6"/>
+          </a:fillRef>
+          <a:effectRef idx="0">
+            <a:schemeClr val="accent6"/>
+          </a:effectRef>
+          <a:fontRef idx="minor">
+            <a:schemeClr val="lt1"/>
+          </a:fontRef>
+        </p:style>
+        <p:txBody>
+          <a:bodyPr rtlCol="0" anchor="ctr"/>
+          <a:lstStyle/>
+          <a:p>
+            <a:pPr algn="ctr"/>
+            <a:endParaRPr lang="ko-KR" altLang="en-US" dirty="0"/>
+          </a:p>
+        </p:txBody>
+      </p:sp>
+      <p:sp>
+        <p:nvSpPr>
+          <p:cNvPr id="10" name="직사각형 9">
+            <a:extLst>
+              <a:ext uri="{FF2B5EF4-FFF2-40B4-BE49-F238E27FC236}">
+                <a16:creationId xmlns:a16="http://schemas.microsoft.com/office/drawing/2014/main" id="{73E169C2-DF88-4C96-A876-304A8F3E2F03}"/>
+              </a:ext>
+            </a:extLst>
+          </p:cNvPr>
+          <p:cNvSpPr/>
+          <p:nvPr/>
+        </p:nvSpPr>
+        <p:spPr>
+          <a:xfrm>
+            <a:off x="2791436" y="2247510"/>
+            <a:ext cx="8296712" cy="4044225"/>
+          </a:xfrm>
+          <a:prstGeom prst="rect">
+            <a:avLst/>
+          </a:prstGeom>
+        </p:spPr>
+        <p:style>
+          <a:lnRef idx="2">
+            <a:schemeClr val="accent3"/>
+          </a:lnRef>
+          <a:fillRef idx="1">
+            <a:schemeClr val="lt1"/>
+          </a:fillRef>
+          <a:effectRef idx="0">
+            <a:schemeClr val="accent3"/>
+          </a:effectRef>
+          <a:fontRef idx="minor">
+            <a:schemeClr val="dk1"/>
+          </a:fontRef>
+        </p:style>
+        <p:txBody>
+          <a:bodyPr rtlCol="0" anchor="ctr"/>
+          <a:lstStyle/>
+          <a:p>
+            <a:pPr algn="ctr"/>
+            <a:endParaRPr lang="ko-KR" altLang="en-US" dirty="0"/>
+          </a:p>
+        </p:txBody>
+      </p:sp>
+      <p:sp>
+        <p:nvSpPr>
+          <p:cNvPr id="11" name="직사각형 10">
+            <a:extLst>
+              <a:ext uri="{FF2B5EF4-FFF2-40B4-BE49-F238E27FC236}">
+                <a16:creationId xmlns:a16="http://schemas.microsoft.com/office/drawing/2014/main" id="{EE6DCD79-6591-FB34-E455-2F861C422FFC}"/>
+              </a:ext>
+            </a:extLst>
+          </p:cNvPr>
+          <p:cNvSpPr/>
+          <p:nvPr/>
+        </p:nvSpPr>
+        <p:spPr>
+          <a:xfrm>
+            <a:off x="2801923" y="1853228"/>
+            <a:ext cx="8296712" cy="290159"/>
+          </a:xfrm>
+          <a:prstGeom prst="rect">
+            <a:avLst/>
+          </a:prstGeom>
+        </p:spPr>
+        <p:style>
+          <a:lnRef idx="2">
+            <a:schemeClr val="accent6">
+              <a:shade val="15000"/>
+            </a:schemeClr>
+          </a:lnRef>
+          <a:fillRef idx="1">
+            <a:schemeClr val="accent6"/>
+          </a:fillRef>
+          <a:effectRef idx="0">
+            <a:schemeClr val="accent6"/>
+          </a:effectRef>
+          <a:fontRef idx="minor">
+            <a:schemeClr val="lt1"/>
+          </a:fontRef>
+        </p:style>
+        <p:txBody>
+          <a:bodyPr rtlCol="0" anchor="ctr"/>
+          <a:lstStyle/>
+          <a:p>
+            <a:pPr algn="r"/>
+            <a:r>
+              <a:rPr lang="ko-KR" altLang="en-US" dirty="0"/>
+              <a:t>버튼 영역</a:t>
+            </a:r>
+          </a:p>
+        </p:txBody>
+      </p:sp>
+      <p:sp>
+        <p:nvSpPr>
+          <p:cNvPr id="3" name="TextBox 2">
+            <a:extLst>
+              <a:ext uri="{FF2B5EF4-FFF2-40B4-BE49-F238E27FC236}">
+                <a16:creationId xmlns:a16="http://schemas.microsoft.com/office/drawing/2014/main" id="{84F0FC06-CFC9-010D-9B90-7A9A139CA01E}"/>
+              </a:ext>
+            </a:extLst>
+          </p:cNvPr>
+          <p:cNvSpPr txBox="1"/>
+          <p:nvPr/>
+        </p:nvSpPr>
+        <p:spPr>
+          <a:xfrm>
+            <a:off x="2667699" y="513502"/>
+            <a:ext cx="4813926" cy="646331"/>
+          </a:xfrm>
+          <a:prstGeom prst="rect">
+            <a:avLst/>
+          </a:prstGeom>
+          <a:noFill/>
+        </p:spPr>
+        <p:txBody>
+          <a:bodyPr wrap="square" rtlCol="0">
+            <a:spAutoFit/>
+          </a:bodyPr>
+          <a:lstStyle/>
+          <a:p>
+            <a:r>
+              <a:rPr lang="ko-KR" altLang="en-US" dirty="0"/>
+              <a:t>수주대상 품목 입출고관리 </a:t>
+            </a:r>
+            <a:r>
+              <a:rPr lang="en-US" altLang="ko-KR" dirty="0"/>
+              <a:t>&gt; </a:t>
+            </a:r>
+            <a:r>
+              <a:rPr lang="ko-KR" altLang="en-US" dirty="0"/>
+              <a:t>작업지시서</a:t>
+            </a:r>
+            <a:endParaRPr lang="en-US" altLang="ko-KR" dirty="0"/>
+          </a:p>
+          <a:p>
+            <a:endParaRPr lang="ko-KR" altLang="en-US" dirty="0"/>
+          </a:p>
+        </p:txBody>
+      </p:sp>
+      <p:sp>
+        <p:nvSpPr>
+          <p:cNvPr id="7" name="사각형: 둥근 모서리 6">
+            <a:extLst>
+              <a:ext uri="{FF2B5EF4-FFF2-40B4-BE49-F238E27FC236}">
+                <a16:creationId xmlns:a16="http://schemas.microsoft.com/office/drawing/2014/main" id="{4CDCB1E4-EC2F-2908-D810-888B56CC2B5A}"/>
+              </a:ext>
+            </a:extLst>
+          </p:cNvPr>
+          <p:cNvSpPr/>
+          <p:nvPr/>
+        </p:nvSpPr>
+        <p:spPr>
+          <a:xfrm>
+            <a:off x="9953192" y="1285296"/>
+            <a:ext cx="960551" cy="353228"/>
+          </a:xfrm>
+          <a:prstGeom prst="roundRect">
+            <a:avLst/>
+          </a:prstGeom>
+        </p:spPr>
+        <p:style>
+          <a:lnRef idx="2">
+            <a:schemeClr val="accent5">
+              <a:shade val="15000"/>
+            </a:schemeClr>
+          </a:lnRef>
+          <a:fillRef idx="1">
+            <a:schemeClr val="accent5"/>
+          </a:fillRef>
+          <a:effectRef idx="0">
+            <a:schemeClr val="accent5"/>
+          </a:effectRef>
+          <a:fontRef idx="minor">
+            <a:schemeClr val="lt1"/>
+          </a:fontRef>
+        </p:style>
+        <p:txBody>
+          <a:bodyPr rtlCol="0" anchor="ctr"/>
+          <a:lstStyle/>
+          <a:p>
+            <a:pPr algn="ctr"/>
+            <a:r>
+              <a:rPr lang="ko-KR" altLang="en-US" dirty="0"/>
+              <a:t>초기화</a:t>
+            </a:r>
+          </a:p>
+        </p:txBody>
+      </p:sp>
+      <p:sp>
+        <p:nvSpPr>
+          <p:cNvPr id="8" name="사각형: 둥근 모서리 7">
+            <a:extLst>
+              <a:ext uri="{FF2B5EF4-FFF2-40B4-BE49-F238E27FC236}">
+                <a16:creationId xmlns:a16="http://schemas.microsoft.com/office/drawing/2014/main" id="{F95ED74B-9074-4B30-B9CC-5B6DE3DFEE8E}"/>
+              </a:ext>
+            </a:extLst>
+          </p:cNvPr>
+          <p:cNvSpPr/>
+          <p:nvPr/>
+        </p:nvSpPr>
+        <p:spPr>
+          <a:xfrm>
+            <a:off x="8877621" y="1283568"/>
+            <a:ext cx="960551" cy="353228"/>
+          </a:xfrm>
+          <a:prstGeom prst="roundRect">
+            <a:avLst/>
+          </a:prstGeom>
+        </p:spPr>
+        <p:style>
+          <a:lnRef idx="2">
+            <a:schemeClr val="accent5">
+              <a:shade val="15000"/>
+            </a:schemeClr>
+          </a:lnRef>
+          <a:fillRef idx="1">
+            <a:schemeClr val="accent5"/>
+          </a:fillRef>
+          <a:effectRef idx="0">
+            <a:schemeClr val="accent5"/>
+          </a:effectRef>
+          <a:fontRef idx="minor">
+            <a:schemeClr val="lt1"/>
+          </a:fontRef>
+        </p:style>
+        <p:txBody>
+          <a:bodyPr rtlCol="0" anchor="ctr"/>
+          <a:lstStyle/>
+          <a:p>
+            <a:pPr algn="ctr"/>
+            <a:r>
+              <a:rPr lang="ko-KR" altLang="en-US"/>
+              <a:t>검색</a:t>
+            </a:r>
+            <a:endParaRPr lang="ko-KR" altLang="en-US" dirty="0"/>
+          </a:p>
+        </p:txBody>
+      </p:sp>
+      <p:sp>
+        <p:nvSpPr>
+          <p:cNvPr id="12" name="타원 11">
+            <a:extLst>
+              <a:ext uri="{FF2B5EF4-FFF2-40B4-BE49-F238E27FC236}">
+                <a16:creationId xmlns:a16="http://schemas.microsoft.com/office/drawing/2014/main" id="{6B8E937E-EA2C-F97F-1D06-D41B6D6C56F4}"/>
+              </a:ext>
+            </a:extLst>
+          </p:cNvPr>
+          <p:cNvSpPr/>
+          <p:nvPr/>
+        </p:nvSpPr>
+        <p:spPr>
+          <a:xfrm>
+            <a:off x="8762601" y="1171259"/>
+            <a:ext cx="270630" cy="246301"/>
+          </a:xfrm>
+          <a:prstGeom prst="ellipse">
+            <a:avLst/>
+          </a:prstGeom>
+        </p:spPr>
+        <p:style>
+          <a:lnRef idx="0">
+            <a:schemeClr val="accent2"/>
+          </a:lnRef>
+          <a:fillRef idx="3">
+            <a:schemeClr val="accent2"/>
+          </a:fillRef>
+          <a:effectRef idx="3">
+            <a:schemeClr val="accent2"/>
+          </a:effectRef>
+          <a:fontRef idx="minor">
+            <a:schemeClr val="lt1"/>
+          </a:fontRef>
+        </p:style>
+        <p:txBody>
+          <a:bodyPr rtlCol="0" anchor="ctr"/>
+          <a:lstStyle/>
+          <a:p>
+            <a:pPr algn="ctr"/>
+            <a:r>
+              <a:rPr lang="en-US" altLang="ko-KR" dirty="0"/>
+              <a:t>1</a:t>
+            </a:r>
+            <a:endParaRPr lang="ko-KR" altLang="en-US" dirty="0"/>
+          </a:p>
+        </p:txBody>
+      </p:sp>
+      <p:sp>
+        <p:nvSpPr>
+          <p:cNvPr id="13" name="타원 12">
+            <a:extLst>
+              <a:ext uri="{FF2B5EF4-FFF2-40B4-BE49-F238E27FC236}">
+                <a16:creationId xmlns:a16="http://schemas.microsoft.com/office/drawing/2014/main" id="{160D9300-DC2E-3D80-6D79-B7D1633E7FA0}"/>
+              </a:ext>
+            </a:extLst>
+          </p:cNvPr>
+          <p:cNvSpPr/>
+          <p:nvPr/>
+        </p:nvSpPr>
+        <p:spPr>
+          <a:xfrm>
+            <a:off x="9878409" y="1181173"/>
+            <a:ext cx="270630" cy="246301"/>
+          </a:xfrm>
+          <a:prstGeom prst="ellipse">
+            <a:avLst/>
+          </a:prstGeom>
+        </p:spPr>
+        <p:style>
+          <a:lnRef idx="0">
+            <a:schemeClr val="accent2"/>
+          </a:lnRef>
+          <a:fillRef idx="3">
+            <a:schemeClr val="accent2"/>
+          </a:fillRef>
+          <a:effectRef idx="3">
+            <a:schemeClr val="accent2"/>
+          </a:effectRef>
+          <a:fontRef idx="minor">
+            <a:schemeClr val="lt1"/>
+          </a:fontRef>
+        </p:style>
+        <p:txBody>
+          <a:bodyPr rtlCol="0" anchor="ctr"/>
+          <a:lstStyle/>
+          <a:p>
+            <a:pPr algn="ctr"/>
+            <a:r>
+              <a:rPr lang="en-US" altLang="ko-KR" dirty="0"/>
+              <a:t>2</a:t>
+            </a:r>
+            <a:endParaRPr lang="ko-KR" altLang="en-US" dirty="0"/>
+          </a:p>
+        </p:txBody>
+      </p:sp>
+      <p:sp>
+        <p:nvSpPr>
+          <p:cNvPr id="14" name="사각형: 둥근 모서리 13">
+            <a:extLst>
+              <a:ext uri="{FF2B5EF4-FFF2-40B4-BE49-F238E27FC236}">
+                <a16:creationId xmlns:a16="http://schemas.microsoft.com/office/drawing/2014/main" id="{D5528BAB-804E-E422-723A-027DB2641B56}"/>
+              </a:ext>
+            </a:extLst>
+          </p:cNvPr>
+          <p:cNvSpPr/>
+          <p:nvPr/>
+        </p:nvSpPr>
+        <p:spPr>
+          <a:xfrm>
+            <a:off x="2957180" y="1287349"/>
+            <a:ext cx="960551" cy="353228"/>
+          </a:xfrm>
+          <a:prstGeom prst="roundRect">
+            <a:avLst/>
+          </a:prstGeom>
+        </p:spPr>
+        <p:style>
+          <a:lnRef idx="2">
+            <a:schemeClr val="accent5">
+              <a:shade val="15000"/>
+            </a:schemeClr>
+          </a:lnRef>
+          <a:fillRef idx="1">
+            <a:schemeClr val="accent5"/>
+          </a:fillRef>
+          <a:effectRef idx="0">
+            <a:schemeClr val="accent5"/>
+          </a:effectRef>
+          <a:fontRef idx="minor">
+            <a:schemeClr val="lt1"/>
+          </a:fontRef>
+        </p:style>
+        <p:txBody>
+          <a:bodyPr rtlCol="0" anchor="ctr"/>
+          <a:lstStyle/>
+          <a:p>
+            <a:pPr algn="ctr"/>
+            <a:r>
+              <a:rPr lang="ko-KR" altLang="en-US" sz="1400" dirty="0"/>
+              <a:t>거래처명</a:t>
+            </a:r>
+          </a:p>
+        </p:txBody>
+      </p:sp>
+      <p:sp>
+        <p:nvSpPr>
+          <p:cNvPr id="15" name="사각형: 둥근 모서리 14">
+            <a:extLst>
+              <a:ext uri="{FF2B5EF4-FFF2-40B4-BE49-F238E27FC236}">
+                <a16:creationId xmlns:a16="http://schemas.microsoft.com/office/drawing/2014/main" id="{0AFEE0BA-F9C8-D098-FD0A-DA9E50B5E66B}"/>
+              </a:ext>
+            </a:extLst>
+          </p:cNvPr>
+          <p:cNvSpPr/>
+          <p:nvPr/>
+        </p:nvSpPr>
+        <p:spPr>
+          <a:xfrm>
+            <a:off x="4053096" y="1288312"/>
+            <a:ext cx="960551" cy="353228"/>
+          </a:xfrm>
+          <a:prstGeom prst="roundRect">
+            <a:avLst/>
+          </a:prstGeom>
+        </p:spPr>
+        <p:style>
+          <a:lnRef idx="2">
+            <a:schemeClr val="accent5">
+              <a:shade val="15000"/>
+            </a:schemeClr>
+          </a:lnRef>
+          <a:fillRef idx="1">
+            <a:schemeClr val="accent5"/>
+          </a:fillRef>
+          <a:effectRef idx="0">
+            <a:schemeClr val="accent5"/>
+          </a:effectRef>
+          <a:fontRef idx="minor">
+            <a:schemeClr val="lt1"/>
+          </a:fontRef>
+        </p:style>
+        <p:txBody>
+          <a:bodyPr rtlCol="0" anchor="ctr"/>
+          <a:lstStyle/>
+          <a:p>
+            <a:pPr algn="ctr"/>
+            <a:r>
+              <a:rPr lang="ko-KR" altLang="en-US" sz="1400" dirty="0"/>
+              <a:t>품목번호</a:t>
+            </a:r>
+          </a:p>
+        </p:txBody>
+      </p:sp>
+      <p:sp>
+        <p:nvSpPr>
+          <p:cNvPr id="16" name="사각형: 둥근 모서리 15">
+            <a:extLst>
+              <a:ext uri="{FF2B5EF4-FFF2-40B4-BE49-F238E27FC236}">
+                <a16:creationId xmlns:a16="http://schemas.microsoft.com/office/drawing/2014/main" id="{EA984698-69AA-7BBC-2885-A7C0A6499EDF}"/>
+              </a:ext>
+            </a:extLst>
+          </p:cNvPr>
+          <p:cNvSpPr/>
+          <p:nvPr/>
+        </p:nvSpPr>
+        <p:spPr>
+          <a:xfrm>
+            <a:off x="5147871" y="1287349"/>
+            <a:ext cx="960551" cy="353228"/>
+          </a:xfrm>
+          <a:prstGeom prst="roundRect">
+            <a:avLst/>
+          </a:prstGeom>
+        </p:spPr>
+        <p:style>
+          <a:lnRef idx="2">
+            <a:schemeClr val="accent5">
+              <a:shade val="15000"/>
+            </a:schemeClr>
+          </a:lnRef>
+          <a:fillRef idx="1">
+            <a:schemeClr val="accent5"/>
+          </a:fillRef>
+          <a:effectRef idx="0">
+            <a:schemeClr val="accent5"/>
+          </a:effectRef>
+          <a:fontRef idx="minor">
+            <a:schemeClr val="lt1"/>
+          </a:fontRef>
+        </p:style>
+        <p:txBody>
+          <a:bodyPr rtlCol="0" anchor="ctr"/>
+          <a:lstStyle/>
+          <a:p>
+            <a:pPr algn="ctr"/>
+            <a:r>
+              <a:rPr lang="ko-KR" altLang="en-US"/>
+              <a:t>품목명</a:t>
+            </a:r>
+            <a:endParaRPr lang="ko-KR" altLang="en-US" dirty="0"/>
+          </a:p>
+        </p:txBody>
+      </p:sp>
+      <p:sp>
+        <p:nvSpPr>
+          <p:cNvPr id="17" name="사각형: 둥근 모서리 16">
+            <a:extLst>
+              <a:ext uri="{FF2B5EF4-FFF2-40B4-BE49-F238E27FC236}">
+                <a16:creationId xmlns:a16="http://schemas.microsoft.com/office/drawing/2014/main" id="{7EA43FB0-483B-FA51-172D-456360C11FBD}"/>
+              </a:ext>
+            </a:extLst>
+          </p:cNvPr>
+          <p:cNvSpPr/>
+          <p:nvPr/>
+        </p:nvSpPr>
+        <p:spPr>
+          <a:xfrm>
+            <a:off x="2905699" y="1895551"/>
+            <a:ext cx="1245476" cy="229460"/>
+          </a:xfrm>
+          <a:prstGeom prst="roundRect">
+            <a:avLst/>
+          </a:prstGeom>
+        </p:spPr>
+        <p:style>
+          <a:lnRef idx="2">
+            <a:schemeClr val="accent5">
+              <a:shade val="15000"/>
+            </a:schemeClr>
+          </a:lnRef>
+          <a:fillRef idx="1">
+            <a:schemeClr val="accent5"/>
+          </a:fillRef>
+          <a:effectRef idx="0">
+            <a:schemeClr val="accent5"/>
+          </a:effectRef>
+          <a:fontRef idx="minor">
+            <a:schemeClr val="lt1"/>
+          </a:fontRef>
+        </p:style>
+        <p:txBody>
+          <a:bodyPr rtlCol="0" anchor="ctr"/>
+          <a:lstStyle/>
+          <a:p>
+            <a:pPr algn="ctr"/>
+            <a:r>
+              <a:rPr lang="ko-KR" altLang="en-US"/>
+              <a:t>엑셀 다운</a:t>
+            </a:r>
+            <a:endParaRPr lang="ko-KR" altLang="en-US" dirty="0"/>
+          </a:p>
+        </p:txBody>
+      </p:sp>
+      <p:sp>
+        <p:nvSpPr>
+          <p:cNvPr id="18" name="타원 17">
+            <a:extLst>
+              <a:ext uri="{FF2B5EF4-FFF2-40B4-BE49-F238E27FC236}">
+                <a16:creationId xmlns:a16="http://schemas.microsoft.com/office/drawing/2014/main" id="{2A36458B-53CC-28F1-D5B3-D43EE87791CE}"/>
+              </a:ext>
+            </a:extLst>
+          </p:cNvPr>
+          <p:cNvSpPr/>
+          <p:nvPr/>
+        </p:nvSpPr>
+        <p:spPr>
+          <a:xfrm>
+            <a:off x="2745847" y="1853228"/>
+            <a:ext cx="270630" cy="246301"/>
+          </a:xfrm>
+          <a:prstGeom prst="ellipse">
+            <a:avLst/>
+          </a:prstGeom>
+        </p:spPr>
+        <p:style>
+          <a:lnRef idx="0">
+            <a:schemeClr val="accent2"/>
+          </a:lnRef>
+          <a:fillRef idx="3">
+            <a:schemeClr val="accent2"/>
+          </a:fillRef>
+          <a:effectRef idx="3">
+            <a:schemeClr val="accent2"/>
+          </a:effectRef>
+          <a:fontRef idx="minor">
+            <a:schemeClr val="lt1"/>
+          </a:fontRef>
+        </p:style>
+        <p:txBody>
+          <a:bodyPr rtlCol="0" anchor="ctr"/>
+          <a:lstStyle/>
+          <a:p>
+            <a:pPr algn="ctr"/>
+            <a:r>
+              <a:rPr lang="en-US" altLang="ko-KR" dirty="0"/>
+              <a:t>3</a:t>
+            </a:r>
+            <a:endParaRPr lang="ko-KR" altLang="en-US" dirty="0"/>
+          </a:p>
+        </p:txBody>
+      </p:sp>
+      <p:sp>
+        <p:nvSpPr>
+          <p:cNvPr id="20" name="TextBox 19">
+            <a:extLst>
+              <a:ext uri="{FF2B5EF4-FFF2-40B4-BE49-F238E27FC236}">
+                <a16:creationId xmlns:a16="http://schemas.microsoft.com/office/drawing/2014/main" id="{3D1A45A7-B88A-5263-8F61-12D22066C6FD}"/>
+              </a:ext>
+            </a:extLst>
+          </p:cNvPr>
+          <p:cNvSpPr txBox="1"/>
+          <p:nvPr/>
+        </p:nvSpPr>
+        <p:spPr>
+          <a:xfrm>
+            <a:off x="2801923" y="2291368"/>
+            <a:ext cx="2132485" cy="369332"/>
+          </a:xfrm>
+          <a:prstGeom prst="rect">
+            <a:avLst/>
+          </a:prstGeom>
+          <a:noFill/>
+        </p:spPr>
+        <p:txBody>
+          <a:bodyPr wrap="square" rtlCol="0">
+            <a:spAutoFit/>
+          </a:bodyPr>
+          <a:lstStyle/>
+          <a:p>
+            <a:r>
+              <a:rPr lang="en-US" altLang="ko-KR" dirty="0"/>
+              <a:t>&lt;</a:t>
+            </a:r>
+            <a:r>
+              <a:rPr lang="ko-KR" altLang="en-US" dirty="0"/>
+              <a:t>작업지시서</a:t>
+            </a:r>
+            <a:r>
+              <a:rPr lang="en-US" altLang="ko-KR" dirty="0"/>
+              <a:t>&gt;</a:t>
+            </a:r>
+            <a:endParaRPr lang="ko-KR" altLang="en-US" dirty="0"/>
+          </a:p>
+        </p:txBody>
+      </p:sp>
+      <p:sp>
+        <p:nvSpPr>
+          <p:cNvPr id="28" name="사각형: 둥근 모서리 27">
+            <a:extLst>
+              <a:ext uri="{FF2B5EF4-FFF2-40B4-BE49-F238E27FC236}">
+                <a16:creationId xmlns:a16="http://schemas.microsoft.com/office/drawing/2014/main" id="{7F5E817A-5DFB-1520-959A-E7996E2B60AB}"/>
+              </a:ext>
+            </a:extLst>
+          </p:cNvPr>
+          <p:cNvSpPr/>
+          <p:nvPr/>
+        </p:nvSpPr>
+        <p:spPr>
+          <a:xfrm>
+            <a:off x="6206654" y="1294409"/>
+            <a:ext cx="960551" cy="353228"/>
+          </a:xfrm>
+          <a:prstGeom prst="roundRect">
+            <a:avLst/>
+          </a:prstGeom>
+        </p:spPr>
+        <p:style>
+          <a:lnRef idx="2">
+            <a:schemeClr val="accent5">
+              <a:shade val="15000"/>
+            </a:schemeClr>
+          </a:lnRef>
+          <a:fillRef idx="1">
+            <a:schemeClr val="accent5"/>
+          </a:fillRef>
+          <a:effectRef idx="0">
+            <a:schemeClr val="accent5"/>
+          </a:effectRef>
+          <a:fontRef idx="minor">
+            <a:schemeClr val="lt1"/>
+          </a:fontRef>
+        </p:style>
+        <p:txBody>
+          <a:bodyPr rtlCol="0" anchor="ctr"/>
+          <a:lstStyle/>
+          <a:p>
+            <a:pPr algn="ctr"/>
+            <a:r>
+              <a:rPr lang="ko-KR" altLang="en-US" sz="1400" dirty="0"/>
+              <a:t>출고번호</a:t>
+            </a:r>
+          </a:p>
+        </p:txBody>
+      </p:sp>
+      <p:sp>
+        <p:nvSpPr>
+          <p:cNvPr id="29" name="사각형: 둥근 모서리 28">
+            <a:extLst>
+              <a:ext uri="{FF2B5EF4-FFF2-40B4-BE49-F238E27FC236}">
+                <a16:creationId xmlns:a16="http://schemas.microsoft.com/office/drawing/2014/main" id="{78D1BA2E-4371-E3CD-EF8B-3B4E879F1D42}"/>
+              </a:ext>
+            </a:extLst>
+          </p:cNvPr>
+          <p:cNvSpPr/>
+          <p:nvPr/>
+        </p:nvSpPr>
+        <p:spPr>
+          <a:xfrm>
+            <a:off x="7254663" y="1304323"/>
+            <a:ext cx="960551" cy="353228"/>
+          </a:xfrm>
+          <a:prstGeom prst="roundRect">
+            <a:avLst/>
+          </a:prstGeom>
+        </p:spPr>
+        <p:style>
+          <a:lnRef idx="2">
+            <a:schemeClr val="accent5">
+              <a:shade val="15000"/>
+            </a:schemeClr>
+          </a:lnRef>
+          <a:fillRef idx="1">
+            <a:schemeClr val="accent5"/>
+          </a:fillRef>
+          <a:effectRef idx="0">
+            <a:schemeClr val="accent5"/>
+          </a:effectRef>
+          <a:fontRef idx="minor">
+            <a:schemeClr val="lt1"/>
+          </a:fontRef>
+        </p:style>
+        <p:txBody>
+          <a:bodyPr rtlCol="0" anchor="ctr"/>
+          <a:lstStyle/>
+          <a:p>
+            <a:pPr algn="ctr"/>
+            <a:r>
+              <a:rPr lang="ko-KR" altLang="en-US" sz="1400" dirty="0"/>
+              <a:t>출고일자</a:t>
+            </a:r>
+          </a:p>
+        </p:txBody>
+      </p:sp>
+      <p:sp>
+        <p:nvSpPr>
+          <p:cNvPr id="22" name="직사각형 21">
+            <a:extLst>
+              <a:ext uri="{FF2B5EF4-FFF2-40B4-BE49-F238E27FC236}">
+                <a16:creationId xmlns:a16="http://schemas.microsoft.com/office/drawing/2014/main" id="{93F33745-9E6C-EEA2-75F8-BA33C51A08BB}"/>
+              </a:ext>
+            </a:extLst>
+          </p:cNvPr>
+          <p:cNvSpPr/>
+          <p:nvPr/>
+        </p:nvSpPr>
+        <p:spPr>
+          <a:xfrm>
+            <a:off x="7645840" y="2440339"/>
+            <a:ext cx="2774782" cy="1550176"/>
+          </a:xfrm>
+          <a:prstGeom prst="rect">
+            <a:avLst/>
+          </a:prstGeom>
+        </p:spPr>
+        <p:style>
+          <a:lnRef idx="2">
+            <a:schemeClr val="accent1">
+              <a:shade val="15000"/>
+            </a:schemeClr>
+          </a:lnRef>
+          <a:fillRef idx="1">
+            <a:schemeClr val="accent1"/>
+          </a:fillRef>
+          <a:effectRef idx="0">
+            <a:schemeClr val="accent1"/>
+          </a:effectRef>
+          <a:fontRef idx="minor">
+            <a:schemeClr val="lt1"/>
+          </a:fontRef>
+        </p:style>
+        <p:txBody>
+          <a:bodyPr rtlCol="0" anchor="ctr"/>
+          <a:lstStyle/>
+          <a:p>
+            <a:pPr algn="ctr"/>
+            <a:r>
+              <a:rPr lang="ko-KR" altLang="en-US" dirty="0"/>
+              <a:t>이미지</a:t>
+            </a:r>
+          </a:p>
+        </p:txBody>
+      </p:sp>
+      <p:sp>
+        <p:nvSpPr>
+          <p:cNvPr id="23" name="직사각형 22">
+            <a:extLst>
+              <a:ext uri="{FF2B5EF4-FFF2-40B4-BE49-F238E27FC236}">
+                <a16:creationId xmlns:a16="http://schemas.microsoft.com/office/drawing/2014/main" id="{835ECA30-E177-2024-19D4-A7A762F837EF}"/>
+              </a:ext>
+            </a:extLst>
+          </p:cNvPr>
+          <p:cNvSpPr/>
+          <p:nvPr/>
+        </p:nvSpPr>
+        <p:spPr>
+          <a:xfrm>
+            <a:off x="3076214" y="2667137"/>
+            <a:ext cx="1269124" cy="238171"/>
+          </a:xfrm>
+          <a:prstGeom prst="rect">
+            <a:avLst/>
+          </a:prstGeom>
+        </p:spPr>
+        <p:style>
+          <a:lnRef idx="2">
+            <a:schemeClr val="accent5"/>
+          </a:lnRef>
+          <a:fillRef idx="1">
+            <a:schemeClr val="lt1"/>
+          </a:fillRef>
+          <a:effectRef idx="0">
+            <a:schemeClr val="accent5"/>
+          </a:effectRef>
+          <a:fontRef idx="minor">
+            <a:schemeClr val="dk1"/>
+          </a:fontRef>
+        </p:style>
+        <p:txBody>
+          <a:bodyPr rtlCol="0" anchor="ctr"/>
+          <a:lstStyle/>
+          <a:p>
+            <a:pPr algn="ctr"/>
+            <a:r>
+              <a:rPr lang="en-US" altLang="ko-KR" dirty="0"/>
+              <a:t>LOT </a:t>
+            </a:r>
+            <a:r>
+              <a:rPr lang="ko-KR" altLang="en-US" dirty="0"/>
+              <a:t>번호</a:t>
+            </a:r>
+            <a:endParaRPr lang="en-US" altLang="ko-KR" dirty="0"/>
+          </a:p>
+        </p:txBody>
+      </p:sp>
+      <p:sp>
+        <p:nvSpPr>
+          <p:cNvPr id="24" name="직사각형 23">
+            <a:extLst>
+              <a:ext uri="{FF2B5EF4-FFF2-40B4-BE49-F238E27FC236}">
+                <a16:creationId xmlns:a16="http://schemas.microsoft.com/office/drawing/2014/main" id="{7FDD09C9-A08E-EEB4-F6CF-99767A6D2803}"/>
+              </a:ext>
+            </a:extLst>
+          </p:cNvPr>
+          <p:cNvSpPr/>
+          <p:nvPr/>
+        </p:nvSpPr>
+        <p:spPr>
+          <a:xfrm>
+            <a:off x="3076214" y="2977256"/>
+            <a:ext cx="1269124" cy="238171"/>
+          </a:xfrm>
+          <a:prstGeom prst="rect">
+            <a:avLst/>
+          </a:prstGeom>
+        </p:spPr>
+        <p:style>
+          <a:lnRef idx="2">
+            <a:schemeClr val="accent5"/>
+          </a:lnRef>
+          <a:fillRef idx="1">
+            <a:schemeClr val="lt1"/>
+          </a:fillRef>
+          <a:effectRef idx="0">
+            <a:schemeClr val="accent5"/>
+          </a:effectRef>
+          <a:fontRef idx="minor">
+            <a:schemeClr val="dk1"/>
+          </a:fontRef>
+        </p:style>
+        <p:txBody>
+          <a:bodyPr rtlCol="0" anchor="ctr"/>
+          <a:lstStyle/>
+          <a:p>
+            <a:pPr algn="ctr"/>
+            <a:r>
+              <a:rPr lang="ko-KR" altLang="en-US" sz="1200" dirty="0"/>
+              <a:t>품목명 </a:t>
+            </a:r>
+            <a:r>
+              <a:rPr lang="en-US" altLang="ko-KR" sz="1200" dirty="0"/>
+              <a:t>: </a:t>
+            </a:r>
+            <a:r>
+              <a:rPr lang="ko-KR" altLang="en-US" sz="1200" dirty="0"/>
+              <a:t>제품</a:t>
+            </a:r>
+            <a:r>
+              <a:rPr lang="en-US" altLang="ko-KR" sz="1200" dirty="0"/>
+              <a:t>A</a:t>
+            </a:r>
+          </a:p>
+        </p:txBody>
+      </p:sp>
+      <p:sp>
+        <p:nvSpPr>
+          <p:cNvPr id="26" name="직사각형 25">
+            <a:extLst>
+              <a:ext uri="{FF2B5EF4-FFF2-40B4-BE49-F238E27FC236}">
+                <a16:creationId xmlns:a16="http://schemas.microsoft.com/office/drawing/2014/main" id="{4C1BFB28-0904-01E4-D77A-0A3A9DF0BAEE}"/>
+              </a:ext>
+            </a:extLst>
+          </p:cNvPr>
+          <p:cNvSpPr/>
+          <p:nvPr/>
+        </p:nvSpPr>
+        <p:spPr>
+          <a:xfrm>
+            <a:off x="3076214" y="3304823"/>
+            <a:ext cx="1269124" cy="238171"/>
+          </a:xfrm>
+          <a:prstGeom prst="rect">
+            <a:avLst/>
+          </a:prstGeom>
+        </p:spPr>
+        <p:style>
+          <a:lnRef idx="2">
+            <a:schemeClr val="accent5"/>
+          </a:lnRef>
+          <a:fillRef idx="1">
+            <a:schemeClr val="lt1"/>
+          </a:fillRef>
+          <a:effectRef idx="0">
+            <a:schemeClr val="accent5"/>
+          </a:effectRef>
+          <a:fontRef idx="minor">
+            <a:schemeClr val="dk1"/>
+          </a:fontRef>
+        </p:style>
+        <p:txBody>
+          <a:bodyPr rtlCol="0" anchor="ctr"/>
+          <a:lstStyle/>
+          <a:p>
+            <a:pPr algn="ctr"/>
+            <a:r>
+              <a:rPr lang="ko-KR" altLang="en-US" sz="1200" dirty="0"/>
+              <a:t>규격 </a:t>
+            </a:r>
+            <a:r>
+              <a:rPr lang="en-US" altLang="ko-KR" sz="1200" dirty="0"/>
+              <a:t>: 100EA</a:t>
+            </a:r>
+          </a:p>
+        </p:txBody>
+      </p:sp>
+      <p:graphicFrame>
+        <p:nvGraphicFramePr>
+          <p:cNvPr id="36" name="표 35">
+            <a:extLst>
+              <a:ext uri="{FF2B5EF4-FFF2-40B4-BE49-F238E27FC236}">
+                <a16:creationId xmlns:a16="http://schemas.microsoft.com/office/drawing/2014/main" id="{5BC20204-F5BD-F433-7049-9A98E2E9AB8E}"/>
+              </a:ext>
+            </a:extLst>
+          </p:cNvPr>
+          <p:cNvGraphicFramePr>
+            <a:graphicFrameLocks noGrp="1"/>
+          </p:cNvGraphicFramePr>
+          <p:nvPr>
+            <p:extLst>
+              <p:ext uri="{D42A27DB-BD31-4B8C-83A1-F6EECF244321}">
+                <p14:modId xmlns:p14="http://schemas.microsoft.com/office/powerpoint/2010/main" val="4156446724"/>
+              </p:ext>
+            </p:extLst>
+          </p:nvPr>
+        </p:nvGraphicFramePr>
+        <p:xfrm>
+          <a:off x="2985732" y="4488976"/>
+          <a:ext cx="7834061" cy="1168065"/>
+        </p:xfrm>
+        <a:graphic>
+          <a:graphicData uri="http://schemas.openxmlformats.org/drawingml/2006/table">
+            <a:tbl>
+              <a:tblPr firstRow="1" bandRow="1">
+                <a:tableStyleId>{5C22544A-7EE6-4342-B048-85BDC9FD1C3A}</a:tableStyleId>
+              </a:tblPr>
+              <a:tblGrid>
+                <a:gridCol w="1091011">
+                  <a:extLst>
+                    <a:ext uri="{9D8B030D-6E8A-4147-A177-3AD203B41FA5}">
+                      <a16:colId xmlns:a16="http://schemas.microsoft.com/office/drawing/2014/main" val="1183744118"/>
+                    </a:ext>
+                  </a:extLst>
+                </a:gridCol>
+                <a:gridCol w="1402746">
+                  <a:extLst>
+                    <a:ext uri="{9D8B030D-6E8A-4147-A177-3AD203B41FA5}">
+                      <a16:colId xmlns:a16="http://schemas.microsoft.com/office/drawing/2014/main" val="2203993221"/>
+                    </a:ext>
+                  </a:extLst>
+                </a:gridCol>
+                <a:gridCol w="1992623">
+                  <a:extLst>
+                    <a:ext uri="{9D8B030D-6E8A-4147-A177-3AD203B41FA5}">
+                      <a16:colId xmlns:a16="http://schemas.microsoft.com/office/drawing/2014/main" val="2126245462"/>
+                    </a:ext>
+                  </a:extLst>
+                </a:gridCol>
+                <a:gridCol w="1780868">
+                  <a:extLst>
+                    <a:ext uri="{9D8B030D-6E8A-4147-A177-3AD203B41FA5}">
+                      <a16:colId xmlns:a16="http://schemas.microsoft.com/office/drawing/2014/main" val="1911220606"/>
+                    </a:ext>
+                  </a:extLst>
+                </a:gridCol>
+                <a:gridCol w="1566813">
+                  <a:extLst>
+                    <a:ext uri="{9D8B030D-6E8A-4147-A177-3AD203B41FA5}">
+                      <a16:colId xmlns:a16="http://schemas.microsoft.com/office/drawing/2014/main" val="4105180633"/>
+                    </a:ext>
+                  </a:extLst>
+                </a:gridCol>
+              </a:tblGrid>
+              <a:tr h="368005">
+                <a:tc>
+                  <a:txBody>
+                    <a:bodyPr/>
+                    <a:lstStyle/>
+                    <a:p>
+                      <a:pPr latinLnBrk="1"/>
+                      <a:r>
+                        <a:rPr lang="en-US" altLang="ko-KR" sz="1000" dirty="0"/>
+                        <a:t>no</a:t>
+                      </a:r>
+                      <a:endParaRPr lang="ko-KR" altLang="en-US" sz="1000" dirty="0"/>
+                    </a:p>
+                  </a:txBody>
+                  <a:tcPr/>
+                </a:tc>
+                <a:tc>
+                  <a:txBody>
+                    <a:bodyPr/>
+                    <a:lstStyle/>
+                    <a:p>
+                      <a:pPr latinLnBrk="1"/>
+                      <a:r>
+                        <a:rPr lang="ko-KR" altLang="en-US" sz="1000" dirty="0" err="1"/>
+                        <a:t>공정명</a:t>
+                      </a:r>
+                      <a:endParaRPr lang="ko-KR" altLang="en-US" sz="1000" dirty="0"/>
+                    </a:p>
+                  </a:txBody>
+                  <a:tcPr/>
+                </a:tc>
+                <a:tc>
+                  <a:txBody>
+                    <a:bodyPr/>
+                    <a:lstStyle/>
+                    <a:p>
+                      <a:pPr latinLnBrk="1"/>
+                      <a:r>
+                        <a:rPr lang="ko-KR" altLang="en-US" sz="1000" dirty="0"/>
+                        <a:t>품목번호</a:t>
+                      </a:r>
+                    </a:p>
+                  </a:txBody>
+                  <a:tcPr/>
+                </a:tc>
+                <a:tc>
+                  <a:txBody>
+                    <a:bodyPr/>
+                    <a:lstStyle/>
+                    <a:p>
+                      <a:pPr latinLnBrk="1"/>
+                      <a:r>
+                        <a:rPr lang="ko-KR" altLang="en-US" sz="1000" dirty="0"/>
+                        <a:t>품목명</a:t>
+                      </a:r>
+                    </a:p>
+                  </a:txBody>
+                  <a:tcPr/>
+                </a:tc>
+                <a:tc>
+                  <a:txBody>
+                    <a:bodyPr/>
+                    <a:lstStyle/>
+                    <a:p>
+                      <a:pPr latinLnBrk="1"/>
+                      <a:r>
+                        <a:rPr lang="ko-KR" altLang="en-US" sz="1000" dirty="0"/>
+                        <a:t>비고</a:t>
+                      </a:r>
+                    </a:p>
+                  </a:txBody>
+                  <a:tcPr/>
+                </a:tc>
+                <a:extLst>
+                  <a:ext uri="{0D108BD9-81ED-4DB2-BD59-A6C34878D82A}">
+                    <a16:rowId xmlns:a16="http://schemas.microsoft.com/office/drawing/2014/main" val="3474873738"/>
+                  </a:ext>
+                </a:extLst>
+              </a:tr>
+              <a:tr h="301634">
+                <a:tc>
+                  <a:txBody>
+                    <a:bodyPr/>
+                    <a:lstStyle/>
+                    <a:p>
+                      <a:pPr latinLnBrk="1"/>
+                      <a:r>
+                        <a:rPr lang="en-US" altLang="ko-KR" sz="1000" dirty="0"/>
+                        <a:t>1</a:t>
+                      </a:r>
+                      <a:endParaRPr lang="ko-KR" altLang="en-US" sz="1000" dirty="0"/>
+                    </a:p>
+                  </a:txBody>
+                  <a:tcPr/>
+                </a:tc>
+                <a:tc>
+                  <a:txBody>
+                    <a:bodyPr/>
+                    <a:lstStyle/>
+                    <a:p>
+                      <a:pPr latinLnBrk="1"/>
+                      <a:r>
+                        <a:rPr lang="en-US" altLang="ko-KR" sz="1000" dirty="0"/>
+                        <a:t>xx</a:t>
+                      </a:r>
+                      <a:r>
+                        <a:rPr lang="ko-KR" altLang="en-US" sz="1000" dirty="0"/>
+                        <a:t>페인트</a:t>
+                      </a:r>
+                    </a:p>
+                  </a:txBody>
+                  <a:tcPr/>
+                </a:tc>
+                <a:tc>
+                  <a:txBody>
+                    <a:bodyPr/>
+                    <a:lstStyle/>
+                    <a:p>
+                      <a:pPr latinLnBrk="1"/>
+                      <a:r>
+                        <a:rPr lang="en-US" altLang="ko-KR" sz="1000" dirty="0"/>
+                        <a:t>A1234</a:t>
+                      </a:r>
+                      <a:endParaRPr lang="ko-KR" altLang="en-US" sz="1000" dirty="0"/>
+                    </a:p>
+                  </a:txBody>
+                  <a:tcPr/>
+                </a:tc>
+                <a:tc>
+                  <a:txBody>
+                    <a:bodyPr/>
+                    <a:lstStyle/>
+                    <a:p>
+                      <a:pPr latinLnBrk="1"/>
+                      <a:r>
+                        <a:rPr lang="ko-KR" altLang="en-US" sz="1000" dirty="0"/>
+                        <a:t>파랑도료</a:t>
+                      </a:r>
+                    </a:p>
+                  </a:txBody>
+                  <a:tcPr/>
+                </a:tc>
+                <a:tc>
+                  <a:txBody>
+                    <a:bodyPr/>
+                    <a:lstStyle/>
+                    <a:p>
+                      <a:pPr latinLnBrk="1"/>
+                      <a:r>
+                        <a:rPr lang="en-US" altLang="ko-KR" sz="1000" dirty="0"/>
+                        <a:t>200</a:t>
+                      </a:r>
+                      <a:endParaRPr lang="ko-KR" altLang="en-US" sz="1000" dirty="0"/>
+                    </a:p>
+                  </a:txBody>
+                  <a:tcPr/>
+                </a:tc>
+                <a:extLst>
+                  <a:ext uri="{0D108BD9-81ED-4DB2-BD59-A6C34878D82A}">
+                    <a16:rowId xmlns:a16="http://schemas.microsoft.com/office/drawing/2014/main" val="3313277983"/>
+                  </a:ext>
+                </a:extLst>
+              </a:tr>
+              <a:tr h="249213">
+                <a:tc>
+                  <a:txBody>
+                    <a:bodyPr/>
+                    <a:lstStyle/>
+                    <a:p>
+                      <a:pPr latinLnBrk="1"/>
+                      <a:r>
+                        <a:rPr lang="en-US" altLang="ko-KR" sz="1000" dirty="0"/>
+                        <a:t>2</a:t>
+                      </a:r>
+                      <a:endParaRPr lang="ko-KR" altLang="en-US" sz="1000" dirty="0"/>
+                    </a:p>
+                  </a:txBody>
+                  <a:tcPr/>
+                </a:tc>
+                <a:tc>
+                  <a:txBody>
+                    <a:bodyPr/>
+                    <a:lstStyle/>
+                    <a:p>
+                      <a:pPr latinLnBrk="1"/>
+                      <a:endParaRPr lang="ko-KR" altLang="en-US" sz="1000" dirty="0"/>
+                    </a:p>
+                  </a:txBody>
+                  <a:tcPr/>
+                </a:tc>
+                <a:tc>
+                  <a:txBody>
+                    <a:bodyPr/>
+                    <a:lstStyle/>
+                    <a:p>
+                      <a:pPr latinLnBrk="1"/>
+                      <a:endParaRPr lang="ko-KR" altLang="en-US" sz="1000" dirty="0"/>
+                    </a:p>
+                  </a:txBody>
+                  <a:tcPr/>
+                </a:tc>
+                <a:tc>
+                  <a:txBody>
+                    <a:bodyPr/>
+                    <a:lstStyle/>
+                    <a:p>
+                      <a:pPr latinLnBrk="1"/>
+                      <a:endParaRPr lang="ko-KR" altLang="en-US" sz="1000" dirty="0"/>
+                    </a:p>
+                  </a:txBody>
+                  <a:tcPr/>
+                </a:tc>
+                <a:tc>
+                  <a:txBody>
+                    <a:bodyPr/>
+                    <a:lstStyle/>
+                    <a:p>
+                      <a:pPr latinLnBrk="1"/>
+                      <a:endParaRPr lang="ko-KR" altLang="en-US" sz="1000" dirty="0"/>
+                    </a:p>
+                  </a:txBody>
+                  <a:tcPr/>
+                </a:tc>
+                <a:extLst>
+                  <a:ext uri="{0D108BD9-81ED-4DB2-BD59-A6C34878D82A}">
+                    <a16:rowId xmlns:a16="http://schemas.microsoft.com/office/drawing/2014/main" val="429840170"/>
+                  </a:ext>
+                </a:extLst>
+              </a:tr>
+              <a:tr h="249213">
+                <a:tc>
+                  <a:txBody>
+                    <a:bodyPr/>
+                    <a:lstStyle/>
+                    <a:p>
+                      <a:pPr latinLnBrk="1"/>
+                      <a:r>
+                        <a:rPr lang="en-US" altLang="ko-KR" sz="1000" dirty="0"/>
+                        <a:t>3</a:t>
+                      </a:r>
+                      <a:endParaRPr lang="ko-KR" altLang="en-US" sz="1000" dirty="0"/>
+                    </a:p>
+                  </a:txBody>
+                  <a:tcPr/>
+                </a:tc>
+                <a:tc>
+                  <a:txBody>
+                    <a:bodyPr/>
+                    <a:lstStyle/>
+                    <a:p>
+                      <a:pPr latinLnBrk="1"/>
+                      <a:endParaRPr lang="ko-KR" altLang="en-US" sz="1000" dirty="0"/>
+                    </a:p>
+                  </a:txBody>
+                  <a:tcPr/>
+                </a:tc>
+                <a:tc>
+                  <a:txBody>
+                    <a:bodyPr/>
+                    <a:lstStyle/>
+                    <a:p>
+                      <a:pPr latinLnBrk="1"/>
+                      <a:endParaRPr lang="ko-KR" altLang="en-US" sz="1000" dirty="0"/>
+                    </a:p>
+                  </a:txBody>
+                  <a:tcPr/>
+                </a:tc>
+                <a:tc>
+                  <a:txBody>
+                    <a:bodyPr/>
+                    <a:lstStyle/>
+                    <a:p>
+                      <a:pPr latinLnBrk="1"/>
+                      <a:endParaRPr lang="ko-KR" altLang="en-US" sz="1000" dirty="0"/>
+                    </a:p>
+                  </a:txBody>
+                  <a:tcPr/>
+                </a:tc>
+                <a:tc>
+                  <a:txBody>
+                    <a:bodyPr/>
+                    <a:lstStyle/>
+                    <a:p>
+                      <a:pPr latinLnBrk="1"/>
+                      <a:endParaRPr lang="ko-KR" altLang="en-US" sz="1000" dirty="0"/>
+                    </a:p>
+                  </a:txBody>
+                  <a:tcPr/>
+                </a:tc>
+                <a:extLst>
+                  <a:ext uri="{0D108BD9-81ED-4DB2-BD59-A6C34878D82A}">
+                    <a16:rowId xmlns:a16="http://schemas.microsoft.com/office/drawing/2014/main" val="3801921134"/>
+                  </a:ext>
+                </a:extLst>
+              </a:tr>
+            </a:tbl>
+          </a:graphicData>
+        </a:graphic>
+      </p:graphicFrame>
+      <p:sp>
+        <p:nvSpPr>
+          <p:cNvPr id="37" name="직사각형 36">
+            <a:extLst>
+              <a:ext uri="{FF2B5EF4-FFF2-40B4-BE49-F238E27FC236}">
+                <a16:creationId xmlns:a16="http://schemas.microsoft.com/office/drawing/2014/main" id="{DB489847-7C11-75A7-2F52-6C0B91CC336A}"/>
+              </a:ext>
+            </a:extLst>
+          </p:cNvPr>
+          <p:cNvSpPr/>
+          <p:nvPr/>
+        </p:nvSpPr>
+        <p:spPr>
+          <a:xfrm>
+            <a:off x="2985732" y="4041454"/>
+            <a:ext cx="2828749" cy="332559"/>
+          </a:xfrm>
+          <a:prstGeom prst="rect">
+            <a:avLst/>
+          </a:prstGeom>
+        </p:spPr>
+        <p:style>
+          <a:lnRef idx="2">
+            <a:schemeClr val="accent5"/>
+          </a:lnRef>
+          <a:fillRef idx="1">
+            <a:schemeClr val="lt1"/>
+          </a:fillRef>
+          <a:effectRef idx="0">
+            <a:schemeClr val="accent5"/>
+          </a:effectRef>
+          <a:fontRef idx="minor">
+            <a:schemeClr val="dk1"/>
+          </a:fontRef>
+        </p:style>
+        <p:txBody>
+          <a:bodyPr rtlCol="0" anchor="ctr"/>
+          <a:lstStyle/>
+          <a:p>
+            <a:pPr algn="ctr"/>
+            <a:r>
+              <a:rPr lang="ko-KR" altLang="en-US" sz="1600" dirty="0"/>
+              <a:t>라우팅 정보</a:t>
+            </a:r>
+            <a:endParaRPr lang="en-US" altLang="ko-KR" sz="1600" dirty="0"/>
+          </a:p>
+        </p:txBody>
+      </p:sp>
+      <p:sp>
+        <p:nvSpPr>
+          <p:cNvPr id="38" name="사각형: 둥근 모서리 37">
+            <a:extLst>
+              <a:ext uri="{FF2B5EF4-FFF2-40B4-BE49-F238E27FC236}">
+                <a16:creationId xmlns:a16="http://schemas.microsoft.com/office/drawing/2014/main" id="{361C5CA2-97EC-B4A5-93C7-FEA2EC0FDC66}"/>
+              </a:ext>
+            </a:extLst>
+          </p:cNvPr>
+          <p:cNvSpPr/>
+          <p:nvPr/>
+        </p:nvSpPr>
+        <p:spPr>
+          <a:xfrm>
+            <a:off x="10047334" y="5805022"/>
+            <a:ext cx="746575" cy="304264"/>
+          </a:xfrm>
+          <a:prstGeom prst="roundRect">
+            <a:avLst/>
+          </a:prstGeom>
+        </p:spPr>
+        <p:style>
+          <a:lnRef idx="2">
+            <a:schemeClr val="accent5">
+              <a:shade val="15000"/>
+            </a:schemeClr>
+          </a:lnRef>
+          <a:fillRef idx="1">
+            <a:schemeClr val="accent5"/>
+          </a:fillRef>
+          <a:effectRef idx="0">
+            <a:schemeClr val="accent5"/>
+          </a:effectRef>
+          <a:fontRef idx="minor">
+            <a:schemeClr val="lt1"/>
+          </a:fontRef>
+        </p:style>
+        <p:txBody>
+          <a:bodyPr rtlCol="0" anchor="ctr"/>
+          <a:lstStyle/>
+          <a:p>
+            <a:pPr algn="ctr"/>
+            <a:r>
+              <a:rPr lang="ko-KR" altLang="en-US" dirty="0"/>
+              <a:t>출력</a:t>
+            </a:r>
+          </a:p>
+        </p:txBody>
+      </p:sp>
+    </p:spTree>
+    <p:extLst>
+      <p:ext uri="{BB962C8B-B14F-4D97-AF65-F5344CB8AC3E}">
+        <p14:creationId xmlns:p14="http://schemas.microsoft.com/office/powerpoint/2010/main" val="2912787603"/>
+      </p:ext>
+    </p:extLst>
+  </p:cSld>
+  <p:clrMapOvr>
+    <a:masterClrMapping/>
+  </p:clrMapOvr>
+</p:sld>
+</file>
+
+<file path=ppt/slides/slide21.xml><?xml version="1.0" encoding="utf-8"?>
+<p:sld xmlns:a="http://schemas.openxmlformats.org/drawingml/2006/main" xmlns:r="http://schemas.openxmlformats.org/officeDocument/2006/relationships" xmlns:p="http://schemas.openxmlformats.org/presentationml/2006/main">
+  <p:cSld>
+    <p:spTree>
+      <p:nvGrpSpPr>
+        <p:cNvPr id="1" name="">
+          <a:extLst>
+            <a:ext uri="{FF2B5EF4-FFF2-40B4-BE49-F238E27FC236}">
+              <a16:creationId xmlns:a16="http://schemas.microsoft.com/office/drawing/2014/main" id="{87015C5C-5486-1A69-C71D-1ADC0851EE79}"/>
+            </a:ext>
+          </a:extLst>
+        </p:cNvPr>
+        <p:cNvGrpSpPr/>
+        <p:nvPr/>
+      </p:nvGrpSpPr>
+      <p:grpSpPr>
+        <a:xfrm>
+          <a:off x="0" y="0"/>
+          <a:ext cx="0" cy="0"/>
+          <a:chOff x="0" y="0"/>
+          <a:chExt cx="0" cy="0"/>
+        </a:xfrm>
+      </p:grpSpPr>
+      <p:sp>
+        <p:nvSpPr>
+          <p:cNvPr id="2" name="직사각형 1">
+            <a:extLst>
+              <a:ext uri="{FF2B5EF4-FFF2-40B4-BE49-F238E27FC236}">
+                <a16:creationId xmlns:a16="http://schemas.microsoft.com/office/drawing/2014/main" id="{CBEB799A-9A67-C683-D96A-AD06584150C4}"/>
+              </a:ext>
+            </a:extLst>
+          </p:cNvPr>
+          <p:cNvSpPr/>
+          <p:nvPr/>
+        </p:nvSpPr>
+        <p:spPr>
+          <a:xfrm>
+            <a:off x="788894" y="403412"/>
+            <a:ext cx="10538012" cy="6113929"/>
+          </a:xfrm>
+          <a:prstGeom prst="rect">
+            <a:avLst/>
+          </a:prstGeom>
+        </p:spPr>
+        <p:style>
+          <a:lnRef idx="2">
+            <a:schemeClr val="dk1"/>
+          </a:lnRef>
+          <a:fillRef idx="1">
+            <a:schemeClr val="lt1"/>
+          </a:fillRef>
+          <a:effectRef idx="0">
+            <a:schemeClr val="dk1"/>
+          </a:effectRef>
+          <a:fontRef idx="minor">
+            <a:schemeClr val="dk1"/>
+          </a:fontRef>
+        </p:style>
+        <p:txBody>
+          <a:bodyPr rtlCol="0" anchor="ctr"/>
+          <a:lstStyle/>
+          <a:p>
+            <a:pPr algn="ctr"/>
+            <a:endParaRPr lang="ko-KR" altLang="en-US"/>
+          </a:p>
+        </p:txBody>
+      </p:sp>
+      <p:sp>
+        <p:nvSpPr>
+          <p:cNvPr id="4" name="직사각형 3">
+            <a:extLst>
+              <a:ext uri="{FF2B5EF4-FFF2-40B4-BE49-F238E27FC236}">
+                <a16:creationId xmlns:a16="http://schemas.microsoft.com/office/drawing/2014/main" id="{CFAAE1BD-7AEB-6CB8-004A-4054AB6546B9}"/>
+              </a:ext>
+            </a:extLst>
+          </p:cNvPr>
+          <p:cNvSpPr/>
+          <p:nvPr/>
+        </p:nvSpPr>
+        <p:spPr>
+          <a:xfrm>
+            <a:off x="865094" y="507534"/>
+            <a:ext cx="1698771" cy="5888331"/>
+          </a:xfrm>
+          <a:prstGeom prst="rect">
+            <a:avLst/>
+          </a:prstGeom>
+        </p:spPr>
+        <p:style>
+          <a:lnRef idx="2">
+            <a:schemeClr val="accent5">
+              <a:shade val="15000"/>
+            </a:schemeClr>
+          </a:lnRef>
+          <a:fillRef idx="1">
+            <a:schemeClr val="accent5"/>
+          </a:fillRef>
+          <a:effectRef idx="0">
+            <a:schemeClr val="accent5"/>
+          </a:effectRef>
+          <a:fontRef idx="minor">
+            <a:schemeClr val="lt1"/>
+          </a:fontRef>
+        </p:style>
+        <p:txBody>
+          <a:bodyPr rtlCol="0" anchor="ctr"/>
+          <a:lstStyle/>
+          <a:p>
+            <a:pPr algn="ctr"/>
+            <a:r>
+              <a:rPr lang="ko-KR" altLang="en-US" dirty="0"/>
+              <a:t>메뉴 영역</a:t>
+            </a:r>
+          </a:p>
+        </p:txBody>
+      </p:sp>
+      <p:sp>
+        <p:nvSpPr>
+          <p:cNvPr id="5" name="직사각형 4">
+            <a:extLst>
+              <a:ext uri="{FF2B5EF4-FFF2-40B4-BE49-F238E27FC236}">
+                <a16:creationId xmlns:a16="http://schemas.microsoft.com/office/drawing/2014/main" id="{82AD3BFE-8DA1-D3E4-5AA6-E891709BAA15}"/>
+              </a:ext>
+            </a:extLst>
+          </p:cNvPr>
+          <p:cNvSpPr/>
+          <p:nvPr/>
+        </p:nvSpPr>
+        <p:spPr>
+          <a:xfrm>
+            <a:off x="2667699" y="507534"/>
+            <a:ext cx="8544187" cy="382439"/>
+          </a:xfrm>
+          <a:prstGeom prst="rect">
+            <a:avLst/>
+          </a:prstGeom>
+        </p:spPr>
+        <p:style>
+          <a:lnRef idx="2">
+            <a:schemeClr val="accent3">
+              <a:shade val="15000"/>
+            </a:schemeClr>
+          </a:lnRef>
+          <a:fillRef idx="1">
+            <a:schemeClr val="accent3"/>
+          </a:fillRef>
+          <a:effectRef idx="0">
+            <a:schemeClr val="accent3"/>
+          </a:effectRef>
+          <a:fontRef idx="minor">
+            <a:schemeClr val="lt1"/>
+          </a:fontRef>
+        </p:style>
+        <p:txBody>
+          <a:bodyPr rtlCol="0" anchor="ctr"/>
+          <a:lstStyle/>
+          <a:p>
+            <a:pPr algn="ctr"/>
+            <a:endParaRPr lang="ko-KR" altLang="en-US" dirty="0"/>
+          </a:p>
+        </p:txBody>
+      </p:sp>
+      <p:sp>
+        <p:nvSpPr>
+          <p:cNvPr id="6" name="직사각형 5">
+            <a:extLst>
+              <a:ext uri="{FF2B5EF4-FFF2-40B4-BE49-F238E27FC236}">
+                <a16:creationId xmlns:a16="http://schemas.microsoft.com/office/drawing/2014/main" id="{68A8C9A8-D407-B4F5-0DE6-8BB9A3E674E4}"/>
+              </a:ext>
+            </a:extLst>
+          </p:cNvPr>
+          <p:cNvSpPr/>
+          <p:nvPr/>
+        </p:nvSpPr>
+        <p:spPr>
+          <a:xfrm>
+            <a:off x="2667699" y="994096"/>
+            <a:ext cx="8544187" cy="5381538"/>
+          </a:xfrm>
+          <a:prstGeom prst="rect">
+            <a:avLst/>
+          </a:prstGeom>
+        </p:spPr>
+        <p:style>
+          <a:lnRef idx="2">
+            <a:schemeClr val="accent4">
+              <a:shade val="15000"/>
+            </a:schemeClr>
+          </a:lnRef>
+          <a:fillRef idx="1">
+            <a:schemeClr val="accent4"/>
+          </a:fillRef>
+          <a:effectRef idx="0">
+            <a:schemeClr val="accent4"/>
+          </a:effectRef>
+          <a:fontRef idx="minor">
+            <a:schemeClr val="lt1"/>
+          </a:fontRef>
+        </p:style>
+        <p:txBody>
+          <a:bodyPr rtlCol="0" anchor="ctr"/>
+          <a:lstStyle/>
+          <a:p>
+            <a:pPr algn="ctr"/>
+            <a:r>
+              <a:rPr lang="en-US" altLang="ko-KR"/>
+              <a:t>Content</a:t>
+            </a:r>
+            <a:r>
+              <a:rPr lang="ko-KR" altLang="en-US" dirty="0"/>
+              <a:t>영역</a:t>
+            </a:r>
+          </a:p>
+        </p:txBody>
+      </p:sp>
+      <p:sp>
+        <p:nvSpPr>
+          <p:cNvPr id="9" name="직사각형 8">
+            <a:extLst>
+              <a:ext uri="{FF2B5EF4-FFF2-40B4-BE49-F238E27FC236}">
+                <a16:creationId xmlns:a16="http://schemas.microsoft.com/office/drawing/2014/main" id="{5D9D2707-138B-6EC4-D4E3-3E6AB230A5A2}"/>
+              </a:ext>
+            </a:extLst>
+          </p:cNvPr>
+          <p:cNvSpPr/>
+          <p:nvPr/>
+        </p:nvSpPr>
+        <p:spPr>
+          <a:xfrm>
+            <a:off x="2801923" y="1140903"/>
+            <a:ext cx="8296712" cy="608202"/>
+          </a:xfrm>
+          <a:prstGeom prst="rect">
+            <a:avLst/>
+          </a:prstGeom>
+        </p:spPr>
+        <p:style>
+          <a:lnRef idx="2">
+            <a:schemeClr val="accent6">
+              <a:shade val="15000"/>
+            </a:schemeClr>
+          </a:lnRef>
+          <a:fillRef idx="1">
+            <a:schemeClr val="accent6"/>
+          </a:fillRef>
+          <a:effectRef idx="0">
+            <a:schemeClr val="accent6"/>
+          </a:effectRef>
+          <a:fontRef idx="minor">
+            <a:schemeClr val="lt1"/>
+          </a:fontRef>
+        </p:style>
+        <p:txBody>
+          <a:bodyPr rtlCol="0" anchor="ctr"/>
+          <a:lstStyle/>
+          <a:p>
+            <a:pPr algn="ctr"/>
+            <a:endParaRPr lang="ko-KR" altLang="en-US" dirty="0"/>
+          </a:p>
+        </p:txBody>
+      </p:sp>
+      <p:sp>
+        <p:nvSpPr>
+          <p:cNvPr id="10" name="직사각형 9">
+            <a:extLst>
+              <a:ext uri="{FF2B5EF4-FFF2-40B4-BE49-F238E27FC236}">
+                <a16:creationId xmlns:a16="http://schemas.microsoft.com/office/drawing/2014/main" id="{389F7C6D-0E1E-29FC-2E3E-47D477C93F75}"/>
+              </a:ext>
+            </a:extLst>
+          </p:cNvPr>
+          <p:cNvSpPr/>
+          <p:nvPr/>
+        </p:nvSpPr>
+        <p:spPr>
+          <a:xfrm>
+            <a:off x="2791436" y="2247510"/>
+            <a:ext cx="8296712" cy="4044225"/>
+          </a:xfrm>
+          <a:prstGeom prst="rect">
+            <a:avLst/>
+          </a:prstGeom>
+        </p:spPr>
+        <p:style>
+          <a:lnRef idx="2">
+            <a:schemeClr val="accent3"/>
+          </a:lnRef>
+          <a:fillRef idx="1">
+            <a:schemeClr val="lt1"/>
+          </a:fillRef>
+          <a:effectRef idx="0">
+            <a:schemeClr val="accent3"/>
+          </a:effectRef>
+          <a:fontRef idx="minor">
+            <a:schemeClr val="dk1"/>
+          </a:fontRef>
+        </p:style>
+        <p:txBody>
+          <a:bodyPr rtlCol="0" anchor="ctr"/>
+          <a:lstStyle/>
+          <a:p>
+            <a:pPr algn="ctr"/>
+            <a:endParaRPr lang="ko-KR" altLang="en-US" dirty="0"/>
+          </a:p>
+        </p:txBody>
+      </p:sp>
+      <p:sp>
+        <p:nvSpPr>
+          <p:cNvPr id="11" name="직사각형 10">
+            <a:extLst>
+              <a:ext uri="{FF2B5EF4-FFF2-40B4-BE49-F238E27FC236}">
+                <a16:creationId xmlns:a16="http://schemas.microsoft.com/office/drawing/2014/main" id="{8429256F-745D-4607-2AA1-E7F7A3C208CA}"/>
+              </a:ext>
+            </a:extLst>
+          </p:cNvPr>
+          <p:cNvSpPr/>
+          <p:nvPr/>
+        </p:nvSpPr>
+        <p:spPr>
+          <a:xfrm>
+            <a:off x="2801923" y="1853228"/>
+            <a:ext cx="8296712" cy="290159"/>
+          </a:xfrm>
+          <a:prstGeom prst="rect">
+            <a:avLst/>
+          </a:prstGeom>
+        </p:spPr>
+        <p:style>
+          <a:lnRef idx="2">
+            <a:schemeClr val="accent6">
+              <a:shade val="15000"/>
+            </a:schemeClr>
+          </a:lnRef>
+          <a:fillRef idx="1">
+            <a:schemeClr val="accent6"/>
+          </a:fillRef>
+          <a:effectRef idx="0">
+            <a:schemeClr val="accent6"/>
+          </a:effectRef>
+          <a:fontRef idx="minor">
+            <a:schemeClr val="lt1"/>
+          </a:fontRef>
+        </p:style>
+        <p:txBody>
+          <a:bodyPr rtlCol="0" anchor="ctr"/>
+          <a:lstStyle/>
+          <a:p>
+            <a:pPr algn="r"/>
+            <a:endParaRPr lang="ko-KR" altLang="en-US" dirty="0"/>
+          </a:p>
+        </p:txBody>
+      </p:sp>
+      <p:sp>
+        <p:nvSpPr>
+          <p:cNvPr id="3" name="TextBox 2">
+            <a:extLst>
+              <a:ext uri="{FF2B5EF4-FFF2-40B4-BE49-F238E27FC236}">
+                <a16:creationId xmlns:a16="http://schemas.microsoft.com/office/drawing/2014/main" id="{C4ECF7D9-8E93-E1F4-7410-CA76C9EF6A13}"/>
+              </a:ext>
+            </a:extLst>
+          </p:cNvPr>
+          <p:cNvSpPr txBox="1"/>
+          <p:nvPr/>
+        </p:nvSpPr>
+        <p:spPr>
+          <a:xfrm>
+            <a:off x="2667699" y="513502"/>
+            <a:ext cx="4813926" cy="369332"/>
+          </a:xfrm>
+          <a:prstGeom prst="rect">
+            <a:avLst/>
+          </a:prstGeom>
+          <a:noFill/>
+        </p:spPr>
+        <p:txBody>
+          <a:bodyPr wrap="square" rtlCol="0">
+            <a:spAutoFit/>
+          </a:bodyPr>
+          <a:lstStyle/>
+          <a:p>
+            <a:r>
+              <a:rPr lang="ko-KR" altLang="en-US" dirty="0"/>
+              <a:t>수주대상 품목 입출고관리 </a:t>
+            </a:r>
+            <a:r>
+              <a:rPr lang="en-US" altLang="ko-KR" dirty="0"/>
+              <a:t>&gt; </a:t>
+            </a:r>
+            <a:r>
+              <a:rPr lang="ko-KR" altLang="en-US" dirty="0" err="1"/>
+              <a:t>출하증</a:t>
+            </a:r>
+            <a:endParaRPr lang="ko-KR" altLang="en-US" dirty="0"/>
+          </a:p>
+        </p:txBody>
+      </p:sp>
+      <p:sp>
+        <p:nvSpPr>
+          <p:cNvPr id="7" name="사각형: 둥근 모서리 6">
+            <a:extLst>
+              <a:ext uri="{FF2B5EF4-FFF2-40B4-BE49-F238E27FC236}">
+                <a16:creationId xmlns:a16="http://schemas.microsoft.com/office/drawing/2014/main" id="{5C6803F1-41D1-F319-5AE6-BBA524A3B3B0}"/>
+              </a:ext>
+            </a:extLst>
+          </p:cNvPr>
+          <p:cNvSpPr/>
+          <p:nvPr/>
+        </p:nvSpPr>
+        <p:spPr>
+          <a:xfrm>
+            <a:off x="9953192" y="1285296"/>
+            <a:ext cx="960551" cy="353228"/>
+          </a:xfrm>
+          <a:prstGeom prst="roundRect">
+            <a:avLst/>
+          </a:prstGeom>
+        </p:spPr>
+        <p:style>
+          <a:lnRef idx="2">
+            <a:schemeClr val="accent5">
+              <a:shade val="15000"/>
+            </a:schemeClr>
+          </a:lnRef>
+          <a:fillRef idx="1">
+            <a:schemeClr val="accent5"/>
+          </a:fillRef>
+          <a:effectRef idx="0">
+            <a:schemeClr val="accent5"/>
+          </a:effectRef>
+          <a:fontRef idx="minor">
+            <a:schemeClr val="lt1"/>
+          </a:fontRef>
+        </p:style>
+        <p:txBody>
+          <a:bodyPr rtlCol="0" anchor="ctr"/>
+          <a:lstStyle/>
+          <a:p>
+            <a:pPr algn="ctr"/>
+            <a:r>
+              <a:rPr lang="ko-KR" altLang="en-US" dirty="0"/>
+              <a:t>초기화</a:t>
+            </a:r>
+          </a:p>
+        </p:txBody>
+      </p:sp>
+      <p:sp>
+        <p:nvSpPr>
+          <p:cNvPr id="8" name="사각형: 둥근 모서리 7">
+            <a:extLst>
+              <a:ext uri="{FF2B5EF4-FFF2-40B4-BE49-F238E27FC236}">
+                <a16:creationId xmlns:a16="http://schemas.microsoft.com/office/drawing/2014/main" id="{BB379C2A-D17C-0504-1927-C002CB4BA181}"/>
+              </a:ext>
+            </a:extLst>
+          </p:cNvPr>
+          <p:cNvSpPr/>
+          <p:nvPr/>
+        </p:nvSpPr>
+        <p:spPr>
+          <a:xfrm>
+            <a:off x="8877621" y="1283568"/>
+            <a:ext cx="960551" cy="353228"/>
+          </a:xfrm>
+          <a:prstGeom prst="roundRect">
+            <a:avLst/>
+          </a:prstGeom>
+        </p:spPr>
+        <p:style>
+          <a:lnRef idx="2">
+            <a:schemeClr val="accent5">
+              <a:shade val="15000"/>
+            </a:schemeClr>
+          </a:lnRef>
+          <a:fillRef idx="1">
+            <a:schemeClr val="accent5"/>
+          </a:fillRef>
+          <a:effectRef idx="0">
+            <a:schemeClr val="accent5"/>
+          </a:effectRef>
+          <a:fontRef idx="minor">
+            <a:schemeClr val="lt1"/>
+          </a:fontRef>
+        </p:style>
+        <p:txBody>
+          <a:bodyPr rtlCol="0" anchor="ctr"/>
+          <a:lstStyle/>
+          <a:p>
+            <a:pPr algn="ctr"/>
+            <a:r>
+              <a:rPr lang="ko-KR" altLang="en-US" dirty="0"/>
+              <a:t>검색</a:t>
+            </a:r>
+          </a:p>
+        </p:txBody>
+      </p:sp>
+      <p:sp>
+        <p:nvSpPr>
+          <p:cNvPr id="14" name="사각형: 둥근 모서리 13">
+            <a:extLst>
+              <a:ext uri="{FF2B5EF4-FFF2-40B4-BE49-F238E27FC236}">
+                <a16:creationId xmlns:a16="http://schemas.microsoft.com/office/drawing/2014/main" id="{30B5875B-C48F-658A-86D4-A6B770CA40C4}"/>
+              </a:ext>
+            </a:extLst>
+          </p:cNvPr>
+          <p:cNvSpPr/>
+          <p:nvPr/>
+        </p:nvSpPr>
+        <p:spPr>
+          <a:xfrm>
+            <a:off x="2957180" y="1287349"/>
+            <a:ext cx="960551" cy="353228"/>
+          </a:xfrm>
+          <a:prstGeom prst="roundRect">
+            <a:avLst/>
+          </a:prstGeom>
+        </p:spPr>
+        <p:style>
+          <a:lnRef idx="2">
+            <a:schemeClr val="accent5">
+              <a:shade val="15000"/>
+            </a:schemeClr>
+          </a:lnRef>
+          <a:fillRef idx="1">
+            <a:schemeClr val="accent5"/>
+          </a:fillRef>
+          <a:effectRef idx="0">
+            <a:schemeClr val="accent5"/>
+          </a:effectRef>
+          <a:fontRef idx="minor">
+            <a:schemeClr val="lt1"/>
+          </a:fontRef>
+        </p:style>
+        <p:txBody>
+          <a:bodyPr rtlCol="0" anchor="ctr"/>
+          <a:lstStyle/>
+          <a:p>
+            <a:pPr algn="ctr"/>
+            <a:r>
+              <a:rPr lang="ko-KR" altLang="en-US" sz="1400" dirty="0"/>
+              <a:t>거래처명</a:t>
+            </a:r>
+          </a:p>
+        </p:txBody>
+      </p:sp>
+      <p:sp>
+        <p:nvSpPr>
+          <p:cNvPr id="15" name="사각형: 둥근 모서리 14">
+            <a:extLst>
+              <a:ext uri="{FF2B5EF4-FFF2-40B4-BE49-F238E27FC236}">
+                <a16:creationId xmlns:a16="http://schemas.microsoft.com/office/drawing/2014/main" id="{E78666ED-E38C-1D48-A7A5-5B2742C4452A}"/>
+              </a:ext>
+            </a:extLst>
+          </p:cNvPr>
+          <p:cNvSpPr/>
+          <p:nvPr/>
+        </p:nvSpPr>
+        <p:spPr>
+          <a:xfrm>
+            <a:off x="4053096" y="1288312"/>
+            <a:ext cx="960551" cy="353228"/>
+          </a:xfrm>
+          <a:prstGeom prst="roundRect">
+            <a:avLst/>
+          </a:prstGeom>
+        </p:spPr>
+        <p:style>
+          <a:lnRef idx="2">
+            <a:schemeClr val="accent5">
+              <a:shade val="15000"/>
+            </a:schemeClr>
+          </a:lnRef>
+          <a:fillRef idx="1">
+            <a:schemeClr val="accent5"/>
+          </a:fillRef>
+          <a:effectRef idx="0">
+            <a:schemeClr val="accent5"/>
+          </a:effectRef>
+          <a:fontRef idx="minor">
+            <a:schemeClr val="lt1"/>
+          </a:fontRef>
+        </p:style>
+        <p:txBody>
+          <a:bodyPr rtlCol="0" anchor="ctr"/>
+          <a:lstStyle/>
+          <a:p>
+            <a:pPr algn="ctr"/>
+            <a:r>
+              <a:rPr lang="ko-KR" altLang="en-US" sz="1400" dirty="0"/>
+              <a:t>품목번호</a:t>
+            </a:r>
+          </a:p>
+        </p:txBody>
+      </p:sp>
+      <p:sp>
+        <p:nvSpPr>
+          <p:cNvPr id="16" name="사각형: 둥근 모서리 15">
+            <a:extLst>
+              <a:ext uri="{FF2B5EF4-FFF2-40B4-BE49-F238E27FC236}">
+                <a16:creationId xmlns:a16="http://schemas.microsoft.com/office/drawing/2014/main" id="{FE6EE365-93E2-765A-D00F-9063D13CD30A}"/>
+              </a:ext>
+            </a:extLst>
+          </p:cNvPr>
+          <p:cNvSpPr/>
+          <p:nvPr/>
+        </p:nvSpPr>
+        <p:spPr>
+          <a:xfrm>
+            <a:off x="5147871" y="1287349"/>
+            <a:ext cx="960551" cy="353228"/>
+          </a:xfrm>
+          <a:prstGeom prst="roundRect">
+            <a:avLst/>
+          </a:prstGeom>
+        </p:spPr>
+        <p:style>
+          <a:lnRef idx="2">
+            <a:schemeClr val="accent5">
+              <a:shade val="15000"/>
+            </a:schemeClr>
+          </a:lnRef>
+          <a:fillRef idx="1">
+            <a:schemeClr val="accent5"/>
+          </a:fillRef>
+          <a:effectRef idx="0">
+            <a:schemeClr val="accent5"/>
+          </a:effectRef>
+          <a:fontRef idx="minor">
+            <a:schemeClr val="lt1"/>
+          </a:fontRef>
+        </p:style>
+        <p:txBody>
+          <a:bodyPr rtlCol="0" anchor="ctr"/>
+          <a:lstStyle/>
+          <a:p>
+            <a:pPr algn="ctr"/>
+            <a:r>
+              <a:rPr lang="ko-KR" altLang="en-US"/>
+              <a:t>품목명</a:t>
+            </a:r>
+            <a:endParaRPr lang="ko-KR" altLang="en-US" dirty="0"/>
+          </a:p>
+        </p:txBody>
+      </p:sp>
+      <p:sp>
+        <p:nvSpPr>
+          <p:cNvPr id="20" name="TextBox 19">
+            <a:extLst>
+              <a:ext uri="{FF2B5EF4-FFF2-40B4-BE49-F238E27FC236}">
+                <a16:creationId xmlns:a16="http://schemas.microsoft.com/office/drawing/2014/main" id="{C4223B4F-438E-BE3E-D295-5793B9AA00B1}"/>
+              </a:ext>
+            </a:extLst>
+          </p:cNvPr>
+          <p:cNvSpPr txBox="1"/>
+          <p:nvPr/>
+        </p:nvSpPr>
+        <p:spPr>
+          <a:xfrm>
+            <a:off x="2801923" y="2291368"/>
+            <a:ext cx="2132485" cy="369332"/>
+          </a:xfrm>
+          <a:prstGeom prst="rect">
+            <a:avLst/>
+          </a:prstGeom>
+          <a:noFill/>
+        </p:spPr>
+        <p:txBody>
+          <a:bodyPr wrap="square" rtlCol="0">
+            <a:spAutoFit/>
+          </a:bodyPr>
+          <a:lstStyle/>
+          <a:p>
+            <a:r>
+              <a:rPr lang="en-US" altLang="ko-KR" dirty="0"/>
+              <a:t>&lt;</a:t>
+            </a:r>
+            <a:r>
+              <a:rPr lang="ko-KR" altLang="en-US" dirty="0" err="1"/>
+              <a:t>출하증</a:t>
+            </a:r>
+            <a:r>
+              <a:rPr lang="en-US" altLang="ko-KR" dirty="0"/>
+              <a:t>&gt;</a:t>
+            </a:r>
+            <a:endParaRPr lang="ko-KR" altLang="en-US" dirty="0"/>
+          </a:p>
+        </p:txBody>
+      </p:sp>
+      <p:sp>
+        <p:nvSpPr>
+          <p:cNvPr id="28" name="사각형: 둥근 모서리 27">
+            <a:extLst>
+              <a:ext uri="{FF2B5EF4-FFF2-40B4-BE49-F238E27FC236}">
+                <a16:creationId xmlns:a16="http://schemas.microsoft.com/office/drawing/2014/main" id="{4E32590F-C77D-8AF1-4B65-6D78E7ABB87D}"/>
+              </a:ext>
+            </a:extLst>
+          </p:cNvPr>
+          <p:cNvSpPr/>
+          <p:nvPr/>
+        </p:nvSpPr>
+        <p:spPr>
+          <a:xfrm>
+            <a:off x="6206654" y="1294409"/>
+            <a:ext cx="960551" cy="353228"/>
+          </a:xfrm>
+          <a:prstGeom prst="roundRect">
+            <a:avLst/>
+          </a:prstGeom>
+        </p:spPr>
+        <p:style>
+          <a:lnRef idx="2">
+            <a:schemeClr val="accent5">
+              <a:shade val="15000"/>
+            </a:schemeClr>
+          </a:lnRef>
+          <a:fillRef idx="1">
+            <a:schemeClr val="accent5"/>
+          </a:fillRef>
+          <a:effectRef idx="0">
+            <a:schemeClr val="accent5"/>
+          </a:effectRef>
+          <a:fontRef idx="minor">
+            <a:schemeClr val="lt1"/>
+          </a:fontRef>
+        </p:style>
+        <p:txBody>
+          <a:bodyPr rtlCol="0" anchor="ctr"/>
+          <a:lstStyle/>
+          <a:p>
+            <a:pPr algn="ctr"/>
+            <a:r>
+              <a:rPr lang="ko-KR" altLang="en-US" sz="1400" dirty="0"/>
+              <a:t>출고번호</a:t>
+            </a:r>
+          </a:p>
+        </p:txBody>
+      </p:sp>
+      <p:sp>
+        <p:nvSpPr>
+          <p:cNvPr id="29" name="사각형: 둥근 모서리 28">
+            <a:extLst>
+              <a:ext uri="{FF2B5EF4-FFF2-40B4-BE49-F238E27FC236}">
+                <a16:creationId xmlns:a16="http://schemas.microsoft.com/office/drawing/2014/main" id="{308806C8-1EAA-BD71-95AE-E536A5401AD3}"/>
+              </a:ext>
+            </a:extLst>
+          </p:cNvPr>
+          <p:cNvSpPr/>
+          <p:nvPr/>
+        </p:nvSpPr>
+        <p:spPr>
+          <a:xfrm>
+            <a:off x="7254663" y="1304323"/>
+            <a:ext cx="960551" cy="353228"/>
+          </a:xfrm>
+          <a:prstGeom prst="roundRect">
+            <a:avLst/>
+          </a:prstGeom>
+        </p:spPr>
+        <p:style>
+          <a:lnRef idx="2">
+            <a:schemeClr val="accent5">
+              <a:shade val="15000"/>
+            </a:schemeClr>
+          </a:lnRef>
+          <a:fillRef idx="1">
+            <a:schemeClr val="accent5"/>
+          </a:fillRef>
+          <a:effectRef idx="0">
+            <a:schemeClr val="accent5"/>
+          </a:effectRef>
+          <a:fontRef idx="minor">
+            <a:schemeClr val="lt1"/>
+          </a:fontRef>
+        </p:style>
+        <p:txBody>
+          <a:bodyPr rtlCol="0" anchor="ctr"/>
+          <a:lstStyle/>
+          <a:p>
+            <a:pPr algn="ctr"/>
+            <a:r>
+              <a:rPr lang="ko-KR" altLang="en-US" sz="1400" dirty="0"/>
+              <a:t>출고일자</a:t>
+            </a:r>
+          </a:p>
+        </p:txBody>
+      </p:sp>
+      <p:sp>
+        <p:nvSpPr>
+          <p:cNvPr id="23" name="직사각형 22">
+            <a:extLst>
+              <a:ext uri="{FF2B5EF4-FFF2-40B4-BE49-F238E27FC236}">
+                <a16:creationId xmlns:a16="http://schemas.microsoft.com/office/drawing/2014/main" id="{41F0E3F7-C7F3-309C-4BB1-BD8EC7704F94}"/>
+              </a:ext>
+            </a:extLst>
+          </p:cNvPr>
+          <p:cNvSpPr/>
+          <p:nvPr/>
+        </p:nvSpPr>
+        <p:spPr>
+          <a:xfrm>
+            <a:off x="3076214" y="2667137"/>
+            <a:ext cx="1269124" cy="238171"/>
+          </a:xfrm>
+          <a:prstGeom prst="rect">
+            <a:avLst/>
+          </a:prstGeom>
+        </p:spPr>
+        <p:style>
+          <a:lnRef idx="2">
+            <a:schemeClr val="accent5"/>
+          </a:lnRef>
+          <a:fillRef idx="1">
+            <a:schemeClr val="lt1"/>
+          </a:fillRef>
+          <a:effectRef idx="0">
+            <a:schemeClr val="accent5"/>
+          </a:effectRef>
+          <a:fontRef idx="minor">
+            <a:schemeClr val="dk1"/>
+          </a:fontRef>
+        </p:style>
+        <p:txBody>
+          <a:bodyPr rtlCol="0" anchor="ctr"/>
+          <a:lstStyle/>
+          <a:p>
+            <a:pPr algn="ctr"/>
+            <a:r>
+              <a:rPr lang="ko-KR" altLang="en-US" dirty="0"/>
+              <a:t>출고 번호</a:t>
+            </a:r>
+            <a:endParaRPr lang="en-US" altLang="ko-KR" dirty="0"/>
+          </a:p>
+        </p:txBody>
+      </p:sp>
+      <p:sp>
+        <p:nvSpPr>
+          <p:cNvPr id="24" name="직사각형 23">
+            <a:extLst>
+              <a:ext uri="{FF2B5EF4-FFF2-40B4-BE49-F238E27FC236}">
+                <a16:creationId xmlns:a16="http://schemas.microsoft.com/office/drawing/2014/main" id="{315DCF61-053F-2BFE-9F64-671C966AD83B}"/>
+              </a:ext>
+            </a:extLst>
+          </p:cNvPr>
+          <p:cNvSpPr/>
+          <p:nvPr/>
+        </p:nvSpPr>
+        <p:spPr>
+          <a:xfrm>
+            <a:off x="3076214" y="2977256"/>
+            <a:ext cx="1382132" cy="238171"/>
+          </a:xfrm>
+          <a:prstGeom prst="rect">
+            <a:avLst/>
+          </a:prstGeom>
+        </p:spPr>
+        <p:style>
+          <a:lnRef idx="2">
+            <a:schemeClr val="accent5"/>
+          </a:lnRef>
+          <a:fillRef idx="1">
+            <a:schemeClr val="lt1"/>
+          </a:fillRef>
+          <a:effectRef idx="0">
+            <a:schemeClr val="accent5"/>
+          </a:effectRef>
+          <a:fontRef idx="minor">
+            <a:schemeClr val="dk1"/>
+          </a:fontRef>
+        </p:style>
+        <p:txBody>
+          <a:bodyPr rtlCol="0" anchor="ctr"/>
+          <a:lstStyle/>
+          <a:p>
+            <a:pPr algn="ctr"/>
+            <a:r>
+              <a:rPr lang="ko-KR" altLang="en-US" sz="1000" dirty="0"/>
+              <a:t>출고일자</a:t>
+            </a:r>
+            <a:r>
+              <a:rPr lang="en-US" altLang="ko-KR" sz="1000" dirty="0"/>
+              <a:t>:20xx-xx-xx</a:t>
+            </a:r>
+          </a:p>
+        </p:txBody>
+      </p:sp>
+      <p:graphicFrame>
+        <p:nvGraphicFramePr>
+          <p:cNvPr id="36" name="표 35">
+            <a:extLst>
+              <a:ext uri="{FF2B5EF4-FFF2-40B4-BE49-F238E27FC236}">
+                <a16:creationId xmlns:a16="http://schemas.microsoft.com/office/drawing/2014/main" id="{DD5C2F89-436D-3BD1-2884-E185528CE654}"/>
+              </a:ext>
+            </a:extLst>
+          </p:cNvPr>
+          <p:cNvGraphicFramePr>
+            <a:graphicFrameLocks noGrp="1"/>
+          </p:cNvGraphicFramePr>
+          <p:nvPr>
+            <p:extLst>
+              <p:ext uri="{D42A27DB-BD31-4B8C-83A1-F6EECF244321}">
+                <p14:modId xmlns:p14="http://schemas.microsoft.com/office/powerpoint/2010/main" val="3444550565"/>
+              </p:ext>
+            </p:extLst>
+          </p:nvPr>
+        </p:nvGraphicFramePr>
+        <p:xfrm>
+          <a:off x="3169122" y="3585514"/>
+          <a:ext cx="7264345" cy="1168065"/>
+        </p:xfrm>
+        <a:graphic>
+          <a:graphicData uri="http://schemas.openxmlformats.org/drawingml/2006/table">
+            <a:tbl>
+              <a:tblPr firstRow="1" bandRow="1">
+                <a:tableStyleId>{5C22544A-7EE6-4342-B048-85BDC9FD1C3A}</a:tableStyleId>
+              </a:tblPr>
+              <a:tblGrid>
+                <a:gridCol w="1259071">
+                  <a:extLst>
+                    <a:ext uri="{9D8B030D-6E8A-4147-A177-3AD203B41FA5}">
+                      <a16:colId xmlns:a16="http://schemas.microsoft.com/office/drawing/2014/main" val="1183744118"/>
+                    </a:ext>
+                  </a:extLst>
+                </a:gridCol>
+                <a:gridCol w="2234336">
+                  <a:extLst>
+                    <a:ext uri="{9D8B030D-6E8A-4147-A177-3AD203B41FA5}">
+                      <a16:colId xmlns:a16="http://schemas.microsoft.com/office/drawing/2014/main" val="2126245462"/>
+                    </a:ext>
+                  </a:extLst>
+                </a:gridCol>
+                <a:gridCol w="2318068">
+                  <a:extLst>
+                    <a:ext uri="{9D8B030D-6E8A-4147-A177-3AD203B41FA5}">
+                      <a16:colId xmlns:a16="http://schemas.microsoft.com/office/drawing/2014/main" val="1911220606"/>
+                    </a:ext>
+                  </a:extLst>
+                </a:gridCol>
+                <a:gridCol w="1452870">
+                  <a:extLst>
+                    <a:ext uri="{9D8B030D-6E8A-4147-A177-3AD203B41FA5}">
+                      <a16:colId xmlns:a16="http://schemas.microsoft.com/office/drawing/2014/main" val="4105180633"/>
+                    </a:ext>
+                  </a:extLst>
+                </a:gridCol>
+              </a:tblGrid>
+              <a:tr h="368005">
+                <a:tc>
+                  <a:txBody>
+                    <a:bodyPr/>
+                    <a:lstStyle/>
+                    <a:p>
+                      <a:pPr latinLnBrk="1"/>
+                      <a:r>
+                        <a:rPr lang="en-US" altLang="ko-KR" sz="1000" dirty="0"/>
+                        <a:t>no</a:t>
+                      </a:r>
+                    </a:p>
+                  </a:txBody>
+                  <a:tcPr/>
+                </a:tc>
+                <a:tc>
+                  <a:txBody>
+                    <a:bodyPr/>
+                    <a:lstStyle/>
+                    <a:p>
+                      <a:pPr latinLnBrk="1"/>
+                      <a:r>
+                        <a:rPr lang="ko-KR" altLang="en-US" sz="1000" dirty="0"/>
+                        <a:t>품목번호</a:t>
+                      </a:r>
+                    </a:p>
+                  </a:txBody>
+                  <a:tcPr/>
+                </a:tc>
+                <a:tc>
+                  <a:txBody>
+                    <a:bodyPr/>
+                    <a:lstStyle/>
+                    <a:p>
+                      <a:pPr latinLnBrk="1"/>
+                      <a:r>
+                        <a:rPr lang="ko-KR" altLang="en-US" sz="1000" dirty="0"/>
+                        <a:t>품목명</a:t>
+                      </a:r>
+                    </a:p>
+                  </a:txBody>
+                  <a:tcPr/>
+                </a:tc>
+                <a:tc>
+                  <a:txBody>
+                    <a:bodyPr/>
+                    <a:lstStyle/>
+                    <a:p>
+                      <a:pPr latinLnBrk="1"/>
+                      <a:r>
+                        <a:rPr lang="ko-KR" altLang="en-US" sz="1000" dirty="0"/>
+                        <a:t>출고수량</a:t>
+                      </a:r>
+                    </a:p>
+                  </a:txBody>
+                  <a:tcPr/>
+                </a:tc>
+                <a:extLst>
+                  <a:ext uri="{0D108BD9-81ED-4DB2-BD59-A6C34878D82A}">
+                    <a16:rowId xmlns:a16="http://schemas.microsoft.com/office/drawing/2014/main" val="3474873738"/>
+                  </a:ext>
+                </a:extLst>
+              </a:tr>
+              <a:tr h="301634">
+                <a:tc>
+                  <a:txBody>
+                    <a:bodyPr/>
+                    <a:lstStyle/>
+                    <a:p>
+                      <a:pPr latinLnBrk="1"/>
+                      <a:r>
+                        <a:rPr lang="en-US" altLang="ko-KR" sz="1000" dirty="0"/>
+                        <a:t>1</a:t>
+                      </a:r>
+                    </a:p>
+                  </a:txBody>
+                  <a:tcPr/>
+                </a:tc>
+                <a:tc>
+                  <a:txBody>
+                    <a:bodyPr/>
+                    <a:lstStyle/>
+                    <a:p>
+                      <a:pPr latinLnBrk="1"/>
+                      <a:r>
+                        <a:rPr lang="en-US" altLang="ko-KR" sz="1000" dirty="0"/>
+                        <a:t>A1234</a:t>
+                      </a:r>
+                      <a:endParaRPr lang="ko-KR" altLang="en-US" sz="1000" dirty="0"/>
+                    </a:p>
+                  </a:txBody>
+                  <a:tcPr/>
+                </a:tc>
+                <a:tc>
+                  <a:txBody>
+                    <a:bodyPr/>
+                    <a:lstStyle/>
+                    <a:p>
+                      <a:pPr latinLnBrk="1"/>
+                      <a:r>
+                        <a:rPr lang="ko-KR" altLang="en-US" sz="1000" dirty="0"/>
+                        <a:t>파랑도료</a:t>
+                      </a:r>
+                    </a:p>
+                  </a:txBody>
+                  <a:tcPr/>
+                </a:tc>
+                <a:tc>
+                  <a:txBody>
+                    <a:bodyPr/>
+                    <a:lstStyle/>
+                    <a:p>
+                      <a:pPr latinLnBrk="1"/>
+                      <a:r>
+                        <a:rPr lang="en-US" altLang="ko-KR" sz="1000" dirty="0"/>
+                        <a:t>200</a:t>
+                      </a:r>
+                      <a:endParaRPr lang="ko-KR" altLang="en-US" sz="1000" dirty="0"/>
+                    </a:p>
+                  </a:txBody>
+                  <a:tcPr/>
+                </a:tc>
+                <a:extLst>
+                  <a:ext uri="{0D108BD9-81ED-4DB2-BD59-A6C34878D82A}">
+                    <a16:rowId xmlns:a16="http://schemas.microsoft.com/office/drawing/2014/main" val="3313277983"/>
+                  </a:ext>
+                </a:extLst>
+              </a:tr>
+              <a:tr h="249213">
+                <a:tc>
+                  <a:txBody>
+                    <a:bodyPr/>
+                    <a:lstStyle/>
+                    <a:p>
+                      <a:pPr latinLnBrk="1"/>
+                      <a:r>
+                        <a:rPr lang="en-US" altLang="ko-KR" sz="1000" dirty="0"/>
+                        <a:t>2</a:t>
+                      </a:r>
+                      <a:endParaRPr lang="ko-KR" altLang="en-US" sz="1000" dirty="0"/>
+                    </a:p>
+                  </a:txBody>
+                  <a:tcPr/>
+                </a:tc>
+                <a:tc>
+                  <a:txBody>
+                    <a:bodyPr/>
+                    <a:lstStyle/>
+                    <a:p>
+                      <a:pPr latinLnBrk="1"/>
+                      <a:endParaRPr lang="ko-KR" altLang="en-US" sz="1000" dirty="0"/>
+                    </a:p>
+                  </a:txBody>
+                  <a:tcPr/>
+                </a:tc>
+                <a:tc>
+                  <a:txBody>
+                    <a:bodyPr/>
+                    <a:lstStyle/>
+                    <a:p>
+                      <a:pPr latinLnBrk="1"/>
+                      <a:endParaRPr lang="ko-KR" altLang="en-US" sz="1000" dirty="0"/>
+                    </a:p>
+                  </a:txBody>
+                  <a:tcPr/>
+                </a:tc>
+                <a:tc>
+                  <a:txBody>
+                    <a:bodyPr/>
+                    <a:lstStyle/>
+                    <a:p>
+                      <a:pPr latinLnBrk="1"/>
+                      <a:endParaRPr lang="ko-KR" altLang="en-US" sz="1000" dirty="0"/>
+                    </a:p>
+                  </a:txBody>
+                  <a:tcPr/>
+                </a:tc>
+                <a:extLst>
+                  <a:ext uri="{0D108BD9-81ED-4DB2-BD59-A6C34878D82A}">
+                    <a16:rowId xmlns:a16="http://schemas.microsoft.com/office/drawing/2014/main" val="429840170"/>
+                  </a:ext>
+                </a:extLst>
+              </a:tr>
+              <a:tr h="249213">
+                <a:tc>
+                  <a:txBody>
+                    <a:bodyPr/>
+                    <a:lstStyle/>
+                    <a:p>
+                      <a:pPr latinLnBrk="1"/>
+                      <a:r>
+                        <a:rPr lang="en-US" altLang="ko-KR" sz="1000" dirty="0"/>
+                        <a:t>3</a:t>
+                      </a:r>
+                      <a:endParaRPr lang="ko-KR" altLang="en-US" sz="1000" dirty="0"/>
+                    </a:p>
+                  </a:txBody>
+                  <a:tcPr/>
+                </a:tc>
+                <a:tc>
+                  <a:txBody>
+                    <a:bodyPr/>
+                    <a:lstStyle/>
+                    <a:p>
+                      <a:pPr latinLnBrk="1"/>
+                      <a:endParaRPr lang="ko-KR" altLang="en-US" sz="1000" dirty="0"/>
+                    </a:p>
+                  </a:txBody>
+                  <a:tcPr/>
+                </a:tc>
+                <a:tc>
+                  <a:txBody>
+                    <a:bodyPr/>
+                    <a:lstStyle/>
+                    <a:p>
+                      <a:pPr latinLnBrk="1"/>
+                      <a:endParaRPr lang="ko-KR" altLang="en-US" sz="1000" dirty="0"/>
+                    </a:p>
+                  </a:txBody>
+                  <a:tcPr/>
+                </a:tc>
+                <a:tc>
+                  <a:txBody>
+                    <a:bodyPr/>
+                    <a:lstStyle/>
+                    <a:p>
+                      <a:pPr latinLnBrk="1"/>
+                      <a:endParaRPr lang="ko-KR" altLang="en-US" sz="1000" dirty="0"/>
+                    </a:p>
+                  </a:txBody>
+                  <a:tcPr/>
+                </a:tc>
+                <a:extLst>
+                  <a:ext uri="{0D108BD9-81ED-4DB2-BD59-A6C34878D82A}">
+                    <a16:rowId xmlns:a16="http://schemas.microsoft.com/office/drawing/2014/main" val="3801921134"/>
+                  </a:ext>
+                </a:extLst>
+              </a:tr>
+            </a:tbl>
+          </a:graphicData>
+        </a:graphic>
+      </p:graphicFrame>
+      <p:sp>
+        <p:nvSpPr>
+          <p:cNvPr id="38" name="사각형: 둥근 모서리 37">
+            <a:extLst>
+              <a:ext uri="{FF2B5EF4-FFF2-40B4-BE49-F238E27FC236}">
+                <a16:creationId xmlns:a16="http://schemas.microsoft.com/office/drawing/2014/main" id="{48A272C5-C96D-FEB0-7D91-72B4DBFD4DAC}"/>
+              </a:ext>
+            </a:extLst>
+          </p:cNvPr>
+          <p:cNvSpPr/>
+          <p:nvPr/>
+        </p:nvSpPr>
+        <p:spPr>
+          <a:xfrm>
+            <a:off x="10047334" y="5805022"/>
+            <a:ext cx="746575" cy="304264"/>
+          </a:xfrm>
+          <a:prstGeom prst="roundRect">
+            <a:avLst/>
+          </a:prstGeom>
+        </p:spPr>
+        <p:style>
+          <a:lnRef idx="2">
+            <a:schemeClr val="accent5">
+              <a:shade val="15000"/>
+            </a:schemeClr>
+          </a:lnRef>
+          <a:fillRef idx="1">
+            <a:schemeClr val="accent5"/>
+          </a:fillRef>
+          <a:effectRef idx="0">
+            <a:schemeClr val="accent5"/>
+          </a:effectRef>
+          <a:fontRef idx="minor">
+            <a:schemeClr val="lt1"/>
+          </a:fontRef>
+        </p:style>
+        <p:txBody>
+          <a:bodyPr rtlCol="0" anchor="ctr"/>
+          <a:lstStyle/>
+          <a:p>
+            <a:pPr algn="ctr"/>
+            <a:r>
+              <a:rPr lang="ko-KR" altLang="en-US" dirty="0"/>
+              <a:t>출력</a:t>
+            </a:r>
+          </a:p>
+        </p:txBody>
+      </p:sp>
+      <p:sp>
+        <p:nvSpPr>
+          <p:cNvPr id="19" name="직사각형 18">
+            <a:extLst>
+              <a:ext uri="{FF2B5EF4-FFF2-40B4-BE49-F238E27FC236}">
+                <a16:creationId xmlns:a16="http://schemas.microsoft.com/office/drawing/2014/main" id="{EA96D06F-7FF5-E7FD-2350-611B67D944A1}"/>
+              </a:ext>
+            </a:extLst>
+          </p:cNvPr>
+          <p:cNvSpPr/>
+          <p:nvPr/>
+        </p:nvSpPr>
+        <p:spPr>
+          <a:xfrm>
+            <a:off x="4500153" y="2977255"/>
+            <a:ext cx="1382132" cy="238171"/>
+          </a:xfrm>
+          <a:prstGeom prst="rect">
+            <a:avLst/>
+          </a:prstGeom>
+        </p:spPr>
+        <p:style>
+          <a:lnRef idx="2">
+            <a:schemeClr val="accent5"/>
+          </a:lnRef>
+          <a:fillRef idx="1">
+            <a:schemeClr val="lt1"/>
+          </a:fillRef>
+          <a:effectRef idx="0">
+            <a:schemeClr val="accent5"/>
+          </a:effectRef>
+          <a:fontRef idx="minor">
+            <a:schemeClr val="dk1"/>
+          </a:fontRef>
+        </p:style>
+        <p:txBody>
+          <a:bodyPr rtlCol="0" anchor="ctr"/>
+          <a:lstStyle/>
+          <a:p>
+            <a:pPr algn="ctr"/>
+            <a:r>
+              <a:rPr lang="ko-KR" altLang="en-US" sz="1000" dirty="0"/>
+              <a:t>입고일자</a:t>
+            </a:r>
+            <a:r>
+              <a:rPr lang="en-US" altLang="ko-KR" sz="1000" dirty="0"/>
+              <a:t>:20xx-xx-xx</a:t>
+            </a:r>
+          </a:p>
+        </p:txBody>
+      </p:sp>
+      <p:sp>
+        <p:nvSpPr>
+          <p:cNvPr id="21" name="직사각형 20">
+            <a:extLst>
+              <a:ext uri="{FF2B5EF4-FFF2-40B4-BE49-F238E27FC236}">
+                <a16:creationId xmlns:a16="http://schemas.microsoft.com/office/drawing/2014/main" id="{205B1240-CFEA-00EA-3332-084F9CD8F779}"/>
+              </a:ext>
+            </a:extLst>
+          </p:cNvPr>
+          <p:cNvSpPr/>
+          <p:nvPr/>
+        </p:nvSpPr>
+        <p:spPr>
+          <a:xfrm>
+            <a:off x="5924092" y="2960181"/>
+            <a:ext cx="1382132" cy="238171"/>
+          </a:xfrm>
+          <a:prstGeom prst="rect">
+            <a:avLst/>
+          </a:prstGeom>
+        </p:spPr>
+        <p:style>
+          <a:lnRef idx="2">
+            <a:schemeClr val="accent5"/>
+          </a:lnRef>
+          <a:fillRef idx="1">
+            <a:schemeClr val="lt1"/>
+          </a:fillRef>
+          <a:effectRef idx="0">
+            <a:schemeClr val="accent5"/>
+          </a:effectRef>
+          <a:fontRef idx="minor">
+            <a:schemeClr val="dk1"/>
+          </a:fontRef>
+        </p:style>
+        <p:txBody>
+          <a:bodyPr rtlCol="0" anchor="ctr"/>
+          <a:lstStyle/>
+          <a:p>
+            <a:pPr algn="ctr"/>
+            <a:r>
+              <a:rPr lang="ko-KR" altLang="en-US" sz="1000" dirty="0"/>
+              <a:t>거래처명 </a:t>
+            </a:r>
+            <a:r>
+              <a:rPr lang="en-US" altLang="ko-KR" sz="1000" dirty="0"/>
+              <a:t>: </a:t>
+            </a:r>
+            <a:r>
+              <a:rPr lang="en-US" altLang="ko-KR" sz="1000" dirty="0" err="1"/>
+              <a:t>xxxx</a:t>
+            </a:r>
+            <a:endParaRPr lang="en-US" altLang="ko-KR" sz="1000" dirty="0"/>
+          </a:p>
+        </p:txBody>
+      </p:sp>
+    </p:spTree>
+    <p:extLst>
+      <p:ext uri="{BB962C8B-B14F-4D97-AF65-F5344CB8AC3E}">
+        <p14:creationId xmlns:p14="http://schemas.microsoft.com/office/powerpoint/2010/main" val="3754222726"/>
+      </p:ext>
+    </p:extLst>
+  </p:cSld>
+  <p:clrMapOvr>
+    <a:masterClrMapping/>
+  </p:clrMapOvr>
+</p:sld>
+</file>
+
 <file path=ppt/slides/slide3.xml><?xml version="1.0" encoding="utf-8"?>
 <p:sld xmlns:a="http://schemas.openxmlformats.org/drawingml/2006/main" xmlns:r="http://schemas.openxmlformats.org/officeDocument/2006/relationships" xmlns:p="http://schemas.openxmlformats.org/presentationml/2006/main">
   <p:cSld>
@@ -26970,7 +30463,7 @@
           <a:p>
             <a:pPr algn="ctr"/>
             <a:r>
-              <a:rPr lang="ko-KR" altLang="en-US"/>
+              <a:rPr lang="ko-KR" altLang="en-US" dirty="0"/>
               <a:t>업체유형</a:t>
             </a:r>
           </a:p>
